--- a/XPlanningEvaluation/data/instruction/collision-table.pptx
+++ b/XPlanningEvaluation/data/instruction/collision-table.pptx
@@ -5,7 +5,7 @@
     <p:sldMasterId id="2147483648" r:id="rId1"/>
   </p:sldMasterIdLst>
   <p:sldIdLst>
-    <p:sldId id="256" r:id="rId2"/>
+    <p:sldId id="257" r:id="rId2"/>
   </p:sldIdLst>
   <p:sldSz cx="11777663" cy="5907088"/>
   <p:notesSz cx="6858000" cy="9144000"/>
@@ -259,7 +259,7 @@
           <a:p>
             <a:fld id="{C0533F6E-9159-954E-8711-191F1D6696D5}" type="datetimeFigureOut">
               <a:rPr lang="en-US" smtClean="0"/>
-              <a:t>8/19/19</a:t>
+              <a:t>8/22/19</a:t>
             </a:fld>
             <a:endParaRPr lang="en-US"/>
           </a:p>
@@ -457,7 +457,7 @@
           <a:p>
             <a:fld id="{C0533F6E-9159-954E-8711-191F1D6696D5}" type="datetimeFigureOut">
               <a:rPr lang="en-US" smtClean="0"/>
-              <a:t>8/19/19</a:t>
+              <a:t>8/22/19</a:t>
             </a:fld>
             <a:endParaRPr lang="en-US"/>
           </a:p>
@@ -665,7 +665,7 @@
           <a:p>
             <a:fld id="{C0533F6E-9159-954E-8711-191F1D6696D5}" type="datetimeFigureOut">
               <a:rPr lang="en-US" smtClean="0"/>
-              <a:t>8/19/19</a:t>
+              <a:t>8/22/19</a:t>
             </a:fld>
             <a:endParaRPr lang="en-US"/>
           </a:p>
@@ -863,7 +863,7 @@
           <a:p>
             <a:fld id="{C0533F6E-9159-954E-8711-191F1D6696D5}" type="datetimeFigureOut">
               <a:rPr lang="en-US" smtClean="0"/>
-              <a:t>8/19/19</a:t>
+              <a:t>8/22/19</a:t>
             </a:fld>
             <a:endParaRPr lang="en-US"/>
           </a:p>
@@ -1138,7 +1138,7 @@
           <a:p>
             <a:fld id="{C0533F6E-9159-954E-8711-191F1D6696D5}" type="datetimeFigureOut">
               <a:rPr lang="en-US" smtClean="0"/>
-              <a:t>8/19/19</a:t>
+              <a:t>8/22/19</a:t>
             </a:fld>
             <a:endParaRPr lang="en-US"/>
           </a:p>
@@ -1403,7 +1403,7 @@
           <a:p>
             <a:fld id="{C0533F6E-9159-954E-8711-191F1D6696D5}" type="datetimeFigureOut">
               <a:rPr lang="en-US" smtClean="0"/>
-              <a:t>8/19/19</a:t>
+              <a:t>8/22/19</a:t>
             </a:fld>
             <a:endParaRPr lang="en-US"/>
           </a:p>
@@ -1815,7 +1815,7 @@
           <a:p>
             <a:fld id="{C0533F6E-9159-954E-8711-191F1D6696D5}" type="datetimeFigureOut">
               <a:rPr lang="en-US" smtClean="0"/>
-              <a:t>8/19/19</a:t>
+              <a:t>8/22/19</a:t>
             </a:fld>
             <a:endParaRPr lang="en-US"/>
           </a:p>
@@ -1956,7 +1956,7 @@
           <a:p>
             <a:fld id="{C0533F6E-9159-954E-8711-191F1D6696D5}" type="datetimeFigureOut">
               <a:rPr lang="en-US" smtClean="0"/>
-              <a:t>8/19/19</a:t>
+              <a:t>8/22/19</a:t>
             </a:fld>
             <a:endParaRPr lang="en-US"/>
           </a:p>
@@ -2069,7 +2069,7 @@
           <a:p>
             <a:fld id="{C0533F6E-9159-954E-8711-191F1D6696D5}" type="datetimeFigureOut">
               <a:rPr lang="en-US" smtClean="0"/>
-              <a:t>8/19/19</a:t>
+              <a:t>8/22/19</a:t>
             </a:fld>
             <a:endParaRPr lang="en-US"/>
           </a:p>
@@ -2380,7 +2380,7 @@
           <a:p>
             <a:fld id="{C0533F6E-9159-954E-8711-191F1D6696D5}" type="datetimeFigureOut">
               <a:rPr lang="en-US" smtClean="0"/>
-              <a:t>8/19/19</a:t>
+              <a:t>8/22/19</a:t>
             </a:fld>
             <a:endParaRPr lang="en-US"/>
           </a:p>
@@ -2668,7 +2668,7 @@
           <a:p>
             <a:fld id="{C0533F6E-9159-954E-8711-191F1D6696D5}" type="datetimeFigureOut">
               <a:rPr lang="en-US" smtClean="0"/>
-              <a:t>8/19/19</a:t>
+              <a:t>8/22/19</a:t>
             </a:fld>
             <a:endParaRPr lang="en-US"/>
           </a:p>
@@ -2909,7 +2909,7 @@
           <a:p>
             <a:fld id="{C0533F6E-9159-954E-8711-191F1D6696D5}" type="datetimeFigureOut">
               <a:rPr lang="en-US" smtClean="0"/>
-              <a:t>8/19/19</a:t>
+              <a:t>8/22/19</a:t>
             </a:fld>
             <a:endParaRPr lang="en-US"/>
           </a:p>
@@ -3328,10 +3328,10 @@
       </p:grpSpPr>
       <p:graphicFrame>
         <p:nvGraphicFramePr>
-          <p:cNvPr id="2" name="Table 1">
-            <a:extLst>
-              <a:ext uri="{FF2B5EF4-FFF2-40B4-BE49-F238E27FC236}">
-                <a16:creationId xmlns:a16="http://schemas.microsoft.com/office/drawing/2014/main" id="{41964819-409F-A147-A27F-24799008D634}"/>
+          <p:cNvPr id="55" name="Table 54">
+            <a:extLst>
+              <a:ext uri="{FF2B5EF4-FFF2-40B4-BE49-F238E27FC236}">
+                <a16:creationId xmlns:a16="http://schemas.microsoft.com/office/drawing/2014/main" id="{B9FB0D18-E011-DF42-937E-C0E38DC9B875}"/>
               </a:ext>
             </a:extLst>
           </p:cNvPr>
@@ -3341,13 +3341,13 @@
           <p:nvPr>
             <p:extLst>
               <p:ext uri="{D42A27DB-BD31-4B8C-83A1-F6EECF244321}">
-                <p14:modId xmlns:p14="http://schemas.microsoft.com/office/powerpoint/2010/main" val="1690047402"/>
+                <p14:modId xmlns:p14="http://schemas.microsoft.com/office/powerpoint/2010/main" val="466199545"/>
               </p:ext>
             </p:extLst>
           </p:nvPr>
         </p:nvGraphicFramePr>
         <p:xfrm>
-          <a:off x="0" y="-2882"/>
+          <a:off x="0" y="0"/>
           <a:ext cx="11772900" cy="5909970"/>
         </p:xfrm>
         <a:graphic>
@@ -3446,7 +3446,7 @@
                       </a:r>
                     </a:p>
                   </a:txBody>
-                  <a:tcPr anchor="ctr"/>
+                  <a:tcPr/>
                 </a:tc>
                 <a:tc>
                   <a:txBody>
@@ -3486,7 +3486,7 @@
                       </a:r>
                     </a:p>
                   </a:txBody>
-                  <a:tcPr anchor="ctr"/>
+                  <a:tcPr/>
                 </a:tc>
                 <a:tc>
                   <a:txBody>
@@ -3526,7 +3526,7 @@
                       </a:r>
                     </a:p>
                   </a:txBody>
-                  <a:tcPr anchor="ctr"/>
+                  <a:tcPr/>
                 </a:tc>
                 <a:tc>
                   <a:txBody>
@@ -3560,10 +3560,10 @@
       </p:graphicFrame>
       <p:grpSp>
         <p:nvGrpSpPr>
-          <p:cNvPr id="3" name="Group 2">
-            <a:extLst>
-              <a:ext uri="{FF2B5EF4-FFF2-40B4-BE49-F238E27FC236}">
-                <a16:creationId xmlns:a16="http://schemas.microsoft.com/office/drawing/2014/main" id="{F4B658E4-B8FF-BF4C-BE44-DD921B746EC3}"/>
+          <p:cNvPr id="56" name="Group 55">
+            <a:extLst>
+              <a:ext uri="{FF2B5EF4-FFF2-40B4-BE49-F238E27FC236}">
+                <a16:creationId xmlns:a16="http://schemas.microsoft.com/office/drawing/2014/main" id="{9CD0FEE2-992E-8748-9659-36295362B23D}"/>
               </a:ext>
             </a:extLst>
           </p:cNvPr>
@@ -3572,7 +3572,7 @@
         </p:nvGrpSpPr>
         <p:grpSpPr>
           <a:xfrm>
-            <a:off x="1512528" y="1343547"/>
+            <a:off x="1512528" y="1346429"/>
             <a:ext cx="4590895" cy="881285"/>
             <a:chOff x="1776374" y="1794409"/>
             <a:chExt cx="4590895" cy="881285"/>
@@ -3580,10 +3580,10 @@
         </p:grpSpPr>
         <p:grpSp>
           <p:nvGrpSpPr>
-            <p:cNvPr id="4" name="Group 3">
+            <p:cNvPr id="57" name="Group 56">
               <a:extLst>
                 <a:ext uri="{FF2B5EF4-FFF2-40B4-BE49-F238E27FC236}">
-                  <a16:creationId xmlns:a16="http://schemas.microsoft.com/office/drawing/2014/main" id="{26DC03EF-C3AF-9C41-A374-D3009773FA58}"/>
+                  <a16:creationId xmlns:a16="http://schemas.microsoft.com/office/drawing/2014/main" id="{742F9337-6171-7340-992B-3324FD2A351A}"/>
                 </a:ext>
               </a:extLst>
             </p:cNvPr>
@@ -3600,10 +3600,10 @@
           </p:grpSpPr>
           <p:pic>
             <p:nvPicPr>
-              <p:cNvPr id="6" name="Picture 5">
+              <p:cNvPr id="59" name="Picture 58">
                 <a:extLst>
                   <a:ext uri="{FF2B5EF4-FFF2-40B4-BE49-F238E27FC236}">
-                    <a16:creationId xmlns:a16="http://schemas.microsoft.com/office/drawing/2014/main" id="{74FEAFD5-B291-374F-83C8-FBFBA59969B1}"/>
+                    <a16:creationId xmlns:a16="http://schemas.microsoft.com/office/drawing/2014/main" id="{B727E872-8985-C541-9430-E67EBB4186F1}"/>
                   </a:ext>
                 </a:extLst>
               </p:cNvPr>
@@ -3629,10 +3629,10 @@
           </p:pic>
           <p:sp>
             <p:nvSpPr>
-              <p:cNvPr id="7" name="Right Arrow 6">
+              <p:cNvPr id="60" name="Right Arrow 59">
                 <a:extLst>
                   <a:ext uri="{FF2B5EF4-FFF2-40B4-BE49-F238E27FC236}">
-                    <a16:creationId xmlns:a16="http://schemas.microsoft.com/office/drawing/2014/main" id="{D8C4FCC7-25EC-5A40-B844-BC0C5B312341}"/>
+                    <a16:creationId xmlns:a16="http://schemas.microsoft.com/office/drawing/2014/main" id="{9AB60D37-ECE4-7D4C-B24E-5FB824946989}"/>
                   </a:ext>
                 </a:extLst>
               </p:cNvPr>
@@ -3680,10 +3680,10 @@
           </p:sp>
           <p:sp>
             <p:nvSpPr>
-              <p:cNvPr id="8" name="TextBox 7">
+              <p:cNvPr id="61" name="TextBox 60">
                 <a:extLst>
                   <a:ext uri="{FF2B5EF4-FFF2-40B4-BE49-F238E27FC236}">
-                    <a16:creationId xmlns:a16="http://schemas.microsoft.com/office/drawing/2014/main" id="{54C79296-EE09-CC4F-9652-8E9C271DA726}"/>
+                    <a16:creationId xmlns:a16="http://schemas.microsoft.com/office/drawing/2014/main" id="{5EF4CB90-123A-C54A-AD26-7426CE81872F}"/>
                   </a:ext>
                 </a:extLst>
               </p:cNvPr>
@@ -3716,10 +3716,10 @@
         </p:grpSp>
         <p:sp>
           <p:nvSpPr>
-            <p:cNvPr id="5" name="TextBox 4">
+            <p:cNvPr id="58" name="TextBox 57">
               <a:extLst>
                 <a:ext uri="{FF2B5EF4-FFF2-40B4-BE49-F238E27FC236}">
-                  <a16:creationId xmlns:a16="http://schemas.microsoft.com/office/drawing/2014/main" id="{F13F7D34-B334-C544-91BE-7BF7C9D76E62}"/>
+                  <a16:creationId xmlns:a16="http://schemas.microsoft.com/office/drawing/2014/main" id="{78B8177E-1AC9-2F4E-9B6A-28968F2FFFBA}"/>
                 </a:ext>
               </a:extLst>
             </p:cNvPr>
@@ -3766,10 +3766,10 @@
       </p:grpSp>
       <p:grpSp>
         <p:nvGrpSpPr>
-          <p:cNvPr id="9" name="Group 8">
-            <a:extLst>
-              <a:ext uri="{FF2B5EF4-FFF2-40B4-BE49-F238E27FC236}">
-                <a16:creationId xmlns:a16="http://schemas.microsoft.com/office/drawing/2014/main" id="{20DEB89D-DC07-6E4E-9651-381D001225AF}"/>
+          <p:cNvPr id="62" name="Group 61">
+            <a:extLst>
+              <a:ext uri="{FF2B5EF4-FFF2-40B4-BE49-F238E27FC236}">
+                <a16:creationId xmlns:a16="http://schemas.microsoft.com/office/drawing/2014/main" id="{1DEA2A81-6B99-4248-989D-B48257A3C52E}"/>
               </a:ext>
             </a:extLst>
           </p:cNvPr>
@@ -3778,461 +3778,331 @@
         </p:nvGrpSpPr>
         <p:grpSpPr>
           <a:xfrm>
-            <a:off x="1512528" y="2945304"/>
-            <a:ext cx="4985348" cy="937824"/>
-            <a:chOff x="1712788" y="3479093"/>
-            <a:chExt cx="4985348" cy="937824"/>
+            <a:off x="485248" y="3608497"/>
+            <a:ext cx="365760" cy="295041"/>
+            <a:chOff x="7803055" y="2574583"/>
+            <a:chExt cx="365760" cy="295041"/>
           </a:xfrm>
         </p:grpSpPr>
-        <p:grpSp>
-          <p:nvGrpSpPr>
-            <p:cNvPr id="10" name="Group 9">
+        <p:sp>
+          <p:nvSpPr>
+            <p:cNvPr id="63" name="Cube 62">
               <a:extLst>
                 <a:ext uri="{FF2B5EF4-FFF2-40B4-BE49-F238E27FC236}">
-                  <a16:creationId xmlns:a16="http://schemas.microsoft.com/office/drawing/2014/main" id="{FE0416A9-57D0-F74A-8C3D-686FC366C66B}"/>
+                  <a16:creationId xmlns:a16="http://schemas.microsoft.com/office/drawing/2014/main" id="{5004F972-883D-DB40-9391-1156D71D2140}"/>
                 </a:ext>
               </a:extLst>
             </p:cNvPr>
-            <p:cNvGrpSpPr/>
-            <p:nvPr/>
-          </p:nvGrpSpPr>
-          <p:grpSpPr>
-            <a:xfrm>
-              <a:off x="1712788" y="3479093"/>
-              <a:ext cx="1711709" cy="937824"/>
-              <a:chOff x="2622917" y="3818672"/>
-              <a:chExt cx="1711709" cy="937824"/>
-            </a:xfrm>
-          </p:grpSpPr>
-          <p:pic>
-            <p:nvPicPr>
-              <p:cNvPr id="12" name="Picture 11">
-                <a:extLst>
-                  <a:ext uri="{FF2B5EF4-FFF2-40B4-BE49-F238E27FC236}">
-                    <a16:creationId xmlns:a16="http://schemas.microsoft.com/office/drawing/2014/main" id="{C68C07B9-256B-224C-AB51-13F0B416FB86}"/>
-                  </a:ext>
-                </a:extLst>
-              </p:cNvPr>
-              <p:cNvPicPr>
-                <a:picLocks noChangeAspect="1"/>
-              </p:cNvPicPr>
-              <p:nvPr/>
-            </p:nvPicPr>
-            <p:blipFill rotWithShape="1">
-              <a:blip r:embed="rId2"/>
-              <a:srcRect l="26302" t="1905" r="24095"/>
-              <a:stretch/>
-            </p:blipFill>
-            <p:spPr>
-              <a:xfrm>
-                <a:off x="2622917" y="3875211"/>
-                <a:ext cx="431549" cy="640080"/>
-              </a:xfrm>
-              <a:prstGeom prst="rect">
-                <a:avLst/>
-              </a:prstGeom>
-            </p:spPr>
-          </p:pic>
-          <p:sp>
-            <p:nvSpPr>
-              <p:cNvPr id="13" name="Right Arrow 12">
-                <a:extLst>
-                  <a:ext uri="{FF2B5EF4-FFF2-40B4-BE49-F238E27FC236}">
-                    <a16:creationId xmlns:a16="http://schemas.microsoft.com/office/drawing/2014/main" id="{725FE255-AAA3-7243-9B64-3AAB6873079E}"/>
-                  </a:ext>
-                </a:extLst>
-              </p:cNvPr>
-              <p:cNvSpPr/>
-              <p:nvPr/>
-            </p:nvSpPr>
-            <p:spPr>
-              <a:xfrm>
-                <a:off x="3237346" y="4195251"/>
-                <a:ext cx="1097280" cy="182880"/>
-              </a:xfrm>
-              <a:prstGeom prst="rightArrow">
-                <a:avLst/>
-              </a:prstGeom>
-              <a:solidFill>
-                <a:schemeClr val="accent1">
-                  <a:lumMod val="75000"/>
-                </a:schemeClr>
-              </a:solidFill>
-            </p:spPr>
-            <p:style>
-              <a:lnRef idx="2">
-                <a:schemeClr val="accent1">
-                  <a:shade val="50000"/>
-                </a:schemeClr>
-              </a:lnRef>
-              <a:fillRef idx="1">
-                <a:schemeClr val="accent1"/>
-              </a:fillRef>
-              <a:effectRef idx="0">
-                <a:schemeClr val="accent1"/>
-              </a:effectRef>
-              <a:fontRef idx="minor">
-                <a:schemeClr val="lt1"/>
-              </a:fontRef>
-            </p:style>
-            <p:txBody>
-              <a:bodyPr rtlCol="0" anchor="ctr"/>
-              <a:lstStyle/>
-              <a:p>
-                <a:pPr algn="ctr"/>
-                <a:endParaRPr lang="en-US"/>
-              </a:p>
-            </p:txBody>
-          </p:sp>
-          <p:grpSp>
-            <p:nvGrpSpPr>
-              <p:cNvPr id="14" name="Group 13">
-                <a:extLst>
-                  <a:ext uri="{FF2B5EF4-FFF2-40B4-BE49-F238E27FC236}">
-                    <a16:creationId xmlns:a16="http://schemas.microsoft.com/office/drawing/2014/main" id="{16CBEC89-3BCC-6D48-B473-A641991322AB}"/>
-                  </a:ext>
-                </a:extLst>
-              </p:cNvPr>
-              <p:cNvGrpSpPr/>
-              <p:nvPr/>
-            </p:nvGrpSpPr>
-            <p:grpSpPr>
-              <a:xfrm>
-                <a:off x="3600240" y="3818672"/>
-                <a:ext cx="365760" cy="295041"/>
-                <a:chOff x="7803055" y="2574583"/>
-                <a:chExt cx="365760" cy="295041"/>
-              </a:xfrm>
-            </p:grpSpPr>
-            <p:sp>
-              <p:nvSpPr>
-                <p:cNvPr id="16" name="Cube 15">
-                  <a:extLst>
-                    <a:ext uri="{FF2B5EF4-FFF2-40B4-BE49-F238E27FC236}">
-                      <a16:creationId xmlns:a16="http://schemas.microsoft.com/office/drawing/2014/main" id="{B1793BFD-EC10-874F-96EE-39ABD1F7552A}"/>
-                    </a:ext>
-                  </a:extLst>
-                </p:cNvPr>
-                <p:cNvSpPr>
-                  <a:spLocks noChangeAspect="1"/>
-                </p:cNvSpPr>
-                <p:nvPr/>
-              </p:nvSpPr>
-              <p:spPr>
-                <a:xfrm>
-                  <a:off x="7803055" y="2686744"/>
-                  <a:ext cx="182880" cy="182880"/>
-                </a:xfrm>
-                <a:prstGeom prst="cube">
-                  <a:avLst/>
-                </a:prstGeom>
-                <a:solidFill>
-                  <a:schemeClr val="accent4">
-                    <a:lumMod val="75000"/>
-                  </a:schemeClr>
-                </a:solidFill>
-                <a:ln>
-                  <a:solidFill>
-                    <a:schemeClr val="tx1"/>
-                  </a:solidFill>
-                </a:ln>
-              </p:spPr>
-              <p:style>
-                <a:lnRef idx="2">
-                  <a:schemeClr val="accent1">
-                    <a:shade val="50000"/>
-                  </a:schemeClr>
-                </a:lnRef>
-                <a:fillRef idx="1">
-                  <a:schemeClr val="accent1"/>
-                </a:fillRef>
-                <a:effectRef idx="0">
-                  <a:schemeClr val="accent1"/>
-                </a:effectRef>
-                <a:fontRef idx="minor">
-                  <a:schemeClr val="lt1"/>
-                </a:fontRef>
-              </p:style>
-              <p:txBody>
-                <a:bodyPr rtlCol="0" anchor="ctr"/>
-                <a:lstStyle/>
-                <a:p>
-                  <a:pPr algn="ctr"/>
-                  <a:endParaRPr lang="en-US"/>
-                </a:p>
-              </p:txBody>
-            </p:sp>
-            <p:sp>
-              <p:nvSpPr>
-                <p:cNvPr id="17" name="Cube 16">
-                  <a:extLst>
-                    <a:ext uri="{FF2B5EF4-FFF2-40B4-BE49-F238E27FC236}">
-                      <a16:creationId xmlns:a16="http://schemas.microsoft.com/office/drawing/2014/main" id="{01C261AA-026A-534E-9F3B-ACE20EDB1EB1}"/>
-                    </a:ext>
-                  </a:extLst>
-                </p:cNvPr>
-                <p:cNvSpPr>
-                  <a:spLocks noChangeAspect="1"/>
-                </p:cNvSpPr>
-                <p:nvPr/>
-              </p:nvSpPr>
-              <p:spPr>
-                <a:xfrm>
-                  <a:off x="7985935" y="2686744"/>
-                  <a:ext cx="182880" cy="182880"/>
-                </a:xfrm>
-                <a:prstGeom prst="cube">
-                  <a:avLst/>
-                </a:prstGeom>
-                <a:solidFill>
-                  <a:schemeClr val="accent4">
-                    <a:lumMod val="75000"/>
-                  </a:schemeClr>
-                </a:solidFill>
-                <a:ln>
-                  <a:solidFill>
-                    <a:schemeClr val="tx1"/>
-                  </a:solidFill>
-                </a:ln>
-              </p:spPr>
-              <p:style>
-                <a:lnRef idx="2">
-                  <a:schemeClr val="accent1">
-                    <a:shade val="50000"/>
-                  </a:schemeClr>
-                </a:lnRef>
-                <a:fillRef idx="1">
-                  <a:schemeClr val="accent1"/>
-                </a:fillRef>
-                <a:effectRef idx="0">
-                  <a:schemeClr val="accent1"/>
-                </a:effectRef>
-                <a:fontRef idx="minor">
-                  <a:schemeClr val="lt1"/>
-                </a:fontRef>
-              </p:style>
-              <p:txBody>
-                <a:bodyPr rtlCol="0" anchor="ctr"/>
-                <a:lstStyle/>
-                <a:p>
-                  <a:pPr algn="ctr"/>
-                  <a:endParaRPr lang="en-US"/>
-                </a:p>
-              </p:txBody>
-            </p:sp>
-            <p:sp>
-              <p:nvSpPr>
-                <p:cNvPr id="18" name="Cube 17">
-                  <a:extLst>
-                    <a:ext uri="{FF2B5EF4-FFF2-40B4-BE49-F238E27FC236}">
-                      <a16:creationId xmlns:a16="http://schemas.microsoft.com/office/drawing/2014/main" id="{ED31EFD5-D05B-E742-95A0-E6278950580F}"/>
-                    </a:ext>
-                  </a:extLst>
-                </p:cNvPr>
-                <p:cNvSpPr>
-                  <a:spLocks noChangeAspect="1"/>
-                </p:cNvSpPr>
-                <p:nvPr/>
-              </p:nvSpPr>
-              <p:spPr>
-                <a:xfrm>
-                  <a:off x="7803055" y="2574583"/>
-                  <a:ext cx="182880" cy="182880"/>
-                </a:xfrm>
-                <a:prstGeom prst="cube">
-                  <a:avLst/>
-                </a:prstGeom>
-                <a:solidFill>
-                  <a:schemeClr val="accent4">
-                    <a:lumMod val="75000"/>
-                  </a:schemeClr>
-                </a:solidFill>
-                <a:ln>
-                  <a:solidFill>
-                    <a:schemeClr val="tx1"/>
-                  </a:solidFill>
-                </a:ln>
-              </p:spPr>
-              <p:style>
-                <a:lnRef idx="2">
-                  <a:schemeClr val="accent1">
-                    <a:shade val="50000"/>
-                  </a:schemeClr>
-                </a:lnRef>
-                <a:fillRef idx="1">
-                  <a:schemeClr val="accent1"/>
-                </a:fillRef>
-                <a:effectRef idx="0">
-                  <a:schemeClr val="accent1"/>
-                </a:effectRef>
-                <a:fontRef idx="minor">
-                  <a:schemeClr val="lt1"/>
-                </a:fontRef>
-              </p:style>
-              <p:txBody>
-                <a:bodyPr rtlCol="0" anchor="ctr"/>
-                <a:lstStyle/>
-                <a:p>
-                  <a:pPr algn="ctr"/>
-                  <a:endParaRPr lang="en-US"/>
-                </a:p>
-              </p:txBody>
-            </p:sp>
-            <p:sp>
-              <p:nvSpPr>
-                <p:cNvPr id="19" name="Cube 18">
-                  <a:extLst>
-                    <a:ext uri="{FF2B5EF4-FFF2-40B4-BE49-F238E27FC236}">
-                      <a16:creationId xmlns:a16="http://schemas.microsoft.com/office/drawing/2014/main" id="{414A965F-E83A-CD4A-BC0F-20632E7352C9}"/>
-                    </a:ext>
-                  </a:extLst>
-                </p:cNvPr>
-                <p:cNvSpPr>
-                  <a:spLocks noChangeAspect="1"/>
-                </p:cNvSpPr>
-                <p:nvPr/>
-              </p:nvSpPr>
-              <p:spPr>
-                <a:xfrm>
-                  <a:off x="7985935" y="2574583"/>
-                  <a:ext cx="182880" cy="182880"/>
-                </a:xfrm>
-                <a:prstGeom prst="cube">
-                  <a:avLst/>
-                </a:prstGeom>
-                <a:solidFill>
-                  <a:schemeClr val="accent4">
-                    <a:lumMod val="75000"/>
-                  </a:schemeClr>
-                </a:solidFill>
-                <a:ln>
-                  <a:solidFill>
-                    <a:schemeClr val="tx1"/>
-                  </a:solidFill>
-                </a:ln>
-              </p:spPr>
-              <p:style>
-                <a:lnRef idx="2">
-                  <a:schemeClr val="accent1">
-                    <a:shade val="50000"/>
-                  </a:schemeClr>
-                </a:lnRef>
-                <a:fillRef idx="1">
-                  <a:schemeClr val="accent1"/>
-                </a:fillRef>
-                <a:effectRef idx="0">
-                  <a:schemeClr val="accent1"/>
-                </a:effectRef>
-                <a:fontRef idx="minor">
-                  <a:schemeClr val="lt1"/>
-                </a:fontRef>
-              </p:style>
-              <p:txBody>
-                <a:bodyPr rtlCol="0" anchor="ctr"/>
-                <a:lstStyle/>
-                <a:p>
-                  <a:pPr algn="ctr"/>
-                  <a:endParaRPr lang="en-US"/>
-                </a:p>
-              </p:txBody>
-            </p:sp>
-          </p:grpSp>
-          <p:sp>
-            <p:nvSpPr>
-              <p:cNvPr id="15" name="TextBox 14">
-                <a:extLst>
-                  <a:ext uri="{FF2B5EF4-FFF2-40B4-BE49-F238E27FC236}">
-                    <a16:creationId xmlns:a16="http://schemas.microsoft.com/office/drawing/2014/main" id="{58FE9331-9A00-4F47-A38B-5546BCEEFF58}"/>
-                  </a:ext>
-                </a:extLst>
-              </p:cNvPr>
-              <p:cNvSpPr txBox="1"/>
-              <p:nvPr/>
-            </p:nvSpPr>
-            <p:spPr>
-              <a:xfrm>
-                <a:off x="3341600" y="4387164"/>
-                <a:ext cx="888769" cy="369332"/>
-              </a:xfrm>
-              <a:prstGeom prst="rect">
-                <a:avLst/>
-              </a:prstGeom>
-              <a:noFill/>
-            </p:spPr>
-            <p:txBody>
-              <a:bodyPr wrap="none" rtlCol="0">
-                <a:spAutoFit/>
-              </a:bodyPr>
-              <a:lstStyle/>
-              <a:p>
-                <a:r>
-                  <a:rPr lang="en-US" dirty="0"/>
-                  <a:t>0.7 m/s</a:t>
-                </a:r>
-              </a:p>
-            </p:txBody>
-          </p:sp>
-        </p:grpSp>
-        <p:sp>
-          <p:nvSpPr>
-            <p:cNvPr id="11" name="TextBox 10">
-              <a:extLst>
-                <a:ext uri="{FF2B5EF4-FFF2-40B4-BE49-F238E27FC236}">
-                  <a16:creationId xmlns:a16="http://schemas.microsoft.com/office/drawing/2014/main" id="{5FF97262-D8E9-9242-8FF3-FE0421FBCE86}"/>
-                </a:ext>
-              </a:extLst>
-            </p:cNvPr>
-            <p:cNvSpPr txBox="1"/>
+            <p:cNvSpPr>
+              <a:spLocks noChangeAspect="1"/>
+            </p:cNvSpPr>
             <p:nvPr/>
           </p:nvSpPr>
           <p:spPr>
             <a:xfrm>
-              <a:off x="3523677" y="3594062"/>
-              <a:ext cx="3174459" cy="707886"/>
+              <a:off x="7803055" y="2686744"/>
+              <a:ext cx="182880" cy="182880"/>
             </a:xfrm>
-            <a:prstGeom prst="rect">
+            <a:prstGeom prst="cube">
               <a:avLst/>
             </a:prstGeom>
-            <a:noFill/>
+            <a:solidFill>
+              <a:schemeClr val="accent4">
+                <a:lumMod val="75000"/>
+              </a:schemeClr>
+            </a:solidFill>
+            <a:ln>
+              <a:solidFill>
+                <a:schemeClr val="tx1"/>
+              </a:solidFill>
+            </a:ln>
           </p:spPr>
+          <p:style>
+            <a:lnRef idx="2">
+              <a:schemeClr val="accent1">
+                <a:shade val="50000"/>
+              </a:schemeClr>
+            </a:lnRef>
+            <a:fillRef idx="1">
+              <a:schemeClr val="accent1"/>
+            </a:fillRef>
+            <a:effectRef idx="0">
+              <a:schemeClr val="accent1"/>
+            </a:effectRef>
+            <a:fontRef idx="minor">
+              <a:schemeClr val="lt1"/>
+            </a:fontRef>
+          </p:style>
           <p:txBody>
-            <a:bodyPr wrap="none" rtlCol="0">
-              <a:spAutoFit/>
-            </a:bodyPr>
+            <a:bodyPr rtlCol="0" anchor="ctr"/>
             <a:lstStyle/>
             <a:p>
-              <a:r>
-                <a:rPr lang="en-US" sz="2000" dirty="0"/>
-                <a:t>Probability of collision = </a:t>
-              </a:r>
-              <a:r>
-                <a:rPr lang="en-US" sz="2000" b="1" dirty="0"/>
-                <a:t>20%</a:t>
-              </a:r>
+              <a:pPr algn="ctr"/>
+              <a:endParaRPr lang="en-US"/>
             </a:p>
+          </p:txBody>
+        </p:sp>
+        <p:sp>
+          <p:nvSpPr>
+            <p:cNvPr id="64" name="Cube 63">
+              <a:extLst>
+                <a:ext uri="{FF2B5EF4-FFF2-40B4-BE49-F238E27FC236}">
+                  <a16:creationId xmlns:a16="http://schemas.microsoft.com/office/drawing/2014/main" id="{A505EE7F-EDFB-124B-A0C1-8812DD56D862}"/>
+                </a:ext>
+              </a:extLst>
+            </p:cNvPr>
+            <p:cNvSpPr>
+              <a:spLocks noChangeAspect="1"/>
+            </p:cNvSpPr>
+            <p:nvPr/>
+          </p:nvSpPr>
+          <p:spPr>
+            <a:xfrm>
+              <a:off x="7985935" y="2686744"/>
+              <a:ext cx="182880" cy="182880"/>
+            </a:xfrm>
+            <a:prstGeom prst="cube">
+              <a:avLst/>
+            </a:prstGeom>
+            <a:solidFill>
+              <a:schemeClr val="accent4">
+                <a:lumMod val="75000"/>
+              </a:schemeClr>
+            </a:solidFill>
+            <a:ln>
+              <a:solidFill>
+                <a:schemeClr val="tx1"/>
+              </a:solidFill>
+            </a:ln>
+          </p:spPr>
+          <p:style>
+            <a:lnRef idx="2">
+              <a:schemeClr val="accent1">
+                <a:shade val="50000"/>
+              </a:schemeClr>
+            </a:lnRef>
+            <a:fillRef idx="1">
+              <a:schemeClr val="accent1"/>
+            </a:fillRef>
+            <a:effectRef idx="0">
+              <a:schemeClr val="accent1"/>
+            </a:effectRef>
+            <a:fontRef idx="minor">
+              <a:schemeClr val="lt1"/>
+            </a:fontRef>
+          </p:style>
+          <p:txBody>
+            <a:bodyPr rtlCol="0" anchor="ctr"/>
+            <a:lstStyle/>
             <a:p>
-              <a:r>
-                <a:rPr lang="en-US" sz="2000" dirty="0"/>
-                <a:t>(Expected collision = </a:t>
-              </a:r>
-              <a:r>
-                <a:rPr lang="en-US" sz="2000" b="1" dirty="0"/>
-                <a:t>0.2</a:t>
-              </a:r>
-              <a:r>
-                <a:rPr lang="en-US" sz="2000" dirty="0"/>
-                <a:t>)</a:t>
-              </a:r>
+              <a:pPr algn="ctr"/>
+              <a:endParaRPr lang="en-US"/>
+            </a:p>
+          </p:txBody>
+        </p:sp>
+        <p:sp>
+          <p:nvSpPr>
+            <p:cNvPr id="65" name="Cube 64">
+              <a:extLst>
+                <a:ext uri="{FF2B5EF4-FFF2-40B4-BE49-F238E27FC236}">
+                  <a16:creationId xmlns:a16="http://schemas.microsoft.com/office/drawing/2014/main" id="{94CEAF6D-7E93-7E47-93A9-9DDF30C152EF}"/>
+                </a:ext>
+              </a:extLst>
+            </p:cNvPr>
+            <p:cNvSpPr>
+              <a:spLocks noChangeAspect="1"/>
+            </p:cNvSpPr>
+            <p:nvPr/>
+          </p:nvSpPr>
+          <p:spPr>
+            <a:xfrm>
+              <a:off x="7803055" y="2574583"/>
+              <a:ext cx="182880" cy="182880"/>
+            </a:xfrm>
+            <a:prstGeom prst="cube">
+              <a:avLst/>
+            </a:prstGeom>
+            <a:solidFill>
+              <a:schemeClr val="accent4">
+                <a:lumMod val="75000"/>
+              </a:schemeClr>
+            </a:solidFill>
+            <a:ln>
+              <a:solidFill>
+                <a:schemeClr val="tx1"/>
+              </a:solidFill>
+            </a:ln>
+          </p:spPr>
+          <p:style>
+            <a:lnRef idx="2">
+              <a:schemeClr val="accent1">
+                <a:shade val="50000"/>
+              </a:schemeClr>
+            </a:lnRef>
+            <a:fillRef idx="1">
+              <a:schemeClr val="accent1"/>
+            </a:fillRef>
+            <a:effectRef idx="0">
+              <a:schemeClr val="accent1"/>
+            </a:effectRef>
+            <a:fontRef idx="minor">
+              <a:schemeClr val="lt1"/>
+            </a:fontRef>
+          </p:style>
+          <p:txBody>
+            <a:bodyPr rtlCol="0" anchor="ctr"/>
+            <a:lstStyle/>
+            <a:p>
+              <a:pPr algn="ctr"/>
+              <a:endParaRPr lang="en-US"/>
+            </a:p>
+          </p:txBody>
+        </p:sp>
+        <p:sp>
+          <p:nvSpPr>
+            <p:cNvPr id="66" name="Cube 65">
+              <a:extLst>
+                <a:ext uri="{FF2B5EF4-FFF2-40B4-BE49-F238E27FC236}">
+                  <a16:creationId xmlns:a16="http://schemas.microsoft.com/office/drawing/2014/main" id="{821A5F0A-98A7-7E4C-8C9C-E3AD36834410}"/>
+                </a:ext>
+              </a:extLst>
+            </p:cNvPr>
+            <p:cNvSpPr>
+              <a:spLocks noChangeAspect="1"/>
+            </p:cNvSpPr>
+            <p:nvPr/>
+          </p:nvSpPr>
+          <p:spPr>
+            <a:xfrm>
+              <a:off x="7985935" y="2574583"/>
+              <a:ext cx="182880" cy="182880"/>
+            </a:xfrm>
+            <a:prstGeom prst="cube">
+              <a:avLst/>
+            </a:prstGeom>
+            <a:solidFill>
+              <a:schemeClr val="accent4">
+                <a:lumMod val="75000"/>
+              </a:schemeClr>
+            </a:solidFill>
+            <a:ln>
+              <a:solidFill>
+                <a:schemeClr val="tx1"/>
+              </a:solidFill>
+            </a:ln>
+          </p:spPr>
+          <p:style>
+            <a:lnRef idx="2">
+              <a:schemeClr val="accent1">
+                <a:shade val="50000"/>
+              </a:schemeClr>
+            </a:lnRef>
+            <a:fillRef idx="1">
+              <a:schemeClr val="accent1"/>
+            </a:fillRef>
+            <a:effectRef idx="0">
+              <a:schemeClr val="accent1"/>
+            </a:effectRef>
+            <a:fontRef idx="minor">
+              <a:schemeClr val="lt1"/>
+            </a:fontRef>
+          </p:style>
+          <p:txBody>
+            <a:bodyPr rtlCol="0" anchor="ctr"/>
+            <a:lstStyle/>
+            <a:p>
+              <a:pPr algn="ctr"/>
+              <a:endParaRPr lang="en-US"/>
             </a:p>
           </p:txBody>
         </p:sp>
       </p:grpSp>
+      <p:pic>
+        <p:nvPicPr>
+          <p:cNvPr id="67" name="Picture 66">
+            <a:extLst>
+              <a:ext uri="{FF2B5EF4-FFF2-40B4-BE49-F238E27FC236}">
+                <a16:creationId xmlns:a16="http://schemas.microsoft.com/office/drawing/2014/main" id="{B00E6084-A7C3-6E47-9A4A-DFD55D4318FC}"/>
+              </a:ext>
+            </a:extLst>
+          </p:cNvPr>
+          <p:cNvPicPr>
+            <a:picLocks noChangeAspect="1"/>
+          </p:cNvPicPr>
+          <p:nvPr/>
+        </p:nvPicPr>
+        <p:blipFill rotWithShape="1">
+          <a:blip r:embed="rId2"/>
+          <a:srcRect l="26302" t="1905" r="24095"/>
+          <a:stretch/>
+        </p:blipFill>
+        <p:spPr>
+          <a:xfrm>
+            <a:off x="1512528" y="4636153"/>
+            <a:ext cx="431549" cy="640080"/>
+          </a:xfrm>
+          <a:prstGeom prst="rect">
+            <a:avLst/>
+          </a:prstGeom>
+        </p:spPr>
+      </p:pic>
+      <p:sp>
+        <p:nvSpPr>
+          <p:cNvPr id="68" name="Right Arrow 67">
+            <a:extLst>
+              <a:ext uri="{FF2B5EF4-FFF2-40B4-BE49-F238E27FC236}">
+                <a16:creationId xmlns:a16="http://schemas.microsoft.com/office/drawing/2014/main" id="{0EBEEDAB-C190-1748-A250-C8B2A3E1A07D}"/>
+              </a:ext>
+            </a:extLst>
+          </p:cNvPr>
+          <p:cNvSpPr/>
+          <p:nvPr/>
+        </p:nvSpPr>
+        <p:spPr>
+          <a:xfrm>
+            <a:off x="2126957" y="4956193"/>
+            <a:ext cx="1097280" cy="182880"/>
+          </a:xfrm>
+          <a:prstGeom prst="rightArrow">
+            <a:avLst/>
+          </a:prstGeom>
+          <a:solidFill>
+            <a:schemeClr val="accent1">
+              <a:lumMod val="75000"/>
+            </a:schemeClr>
+          </a:solidFill>
+        </p:spPr>
+        <p:style>
+          <a:lnRef idx="2">
+            <a:schemeClr val="accent1">
+              <a:shade val="50000"/>
+            </a:schemeClr>
+          </a:lnRef>
+          <a:fillRef idx="1">
+            <a:schemeClr val="accent1"/>
+          </a:fillRef>
+          <a:effectRef idx="0">
+            <a:schemeClr val="accent1"/>
+          </a:effectRef>
+          <a:fontRef idx="minor">
+            <a:schemeClr val="lt1"/>
+          </a:fontRef>
+        </p:style>
+        <p:txBody>
+          <a:bodyPr rtlCol="0" anchor="ctr"/>
+          <a:lstStyle/>
+          <a:p>
+            <a:pPr algn="ctr"/>
+            <a:endParaRPr lang="en-US"/>
+          </a:p>
+        </p:txBody>
+      </p:sp>
       <p:grpSp>
         <p:nvGrpSpPr>
-          <p:cNvPr id="20" name="Group 19">
-            <a:extLst>
-              <a:ext uri="{FF2B5EF4-FFF2-40B4-BE49-F238E27FC236}">
-                <a16:creationId xmlns:a16="http://schemas.microsoft.com/office/drawing/2014/main" id="{F579C727-1750-8D48-8D01-6ED7B356E6AE}"/>
+          <p:cNvPr id="69" name="Group 68">
+            <a:extLst>
+              <a:ext uri="{FF2B5EF4-FFF2-40B4-BE49-F238E27FC236}">
+                <a16:creationId xmlns:a16="http://schemas.microsoft.com/office/drawing/2014/main" id="{84A99F00-A8BF-D745-888E-5FD1EFF892F9}"/>
               </a:ext>
             </a:extLst>
           </p:cNvPr>
@@ -4241,693 +4111,571 @@
         </p:nvGrpSpPr>
         <p:grpSpPr>
           <a:xfrm>
-            <a:off x="1512528" y="4603599"/>
-            <a:ext cx="5001406" cy="901924"/>
-            <a:chOff x="1703028" y="5165658"/>
-            <a:chExt cx="5001406" cy="901924"/>
+            <a:off x="302368" y="5276233"/>
+            <a:ext cx="731520" cy="295041"/>
+            <a:chOff x="9699621" y="3380438"/>
+            <a:chExt cx="731520" cy="295041"/>
           </a:xfrm>
         </p:grpSpPr>
-        <p:grpSp>
-          <p:nvGrpSpPr>
-            <p:cNvPr id="21" name="Group 20">
+        <p:sp>
+          <p:nvSpPr>
+            <p:cNvPr id="70" name="Cube 69">
               <a:extLst>
                 <a:ext uri="{FF2B5EF4-FFF2-40B4-BE49-F238E27FC236}">
-                  <a16:creationId xmlns:a16="http://schemas.microsoft.com/office/drawing/2014/main" id="{A914744D-F372-554A-B75A-CAF0D48A3CC2}"/>
+                  <a16:creationId xmlns:a16="http://schemas.microsoft.com/office/drawing/2014/main" id="{F4002062-8C53-1148-8876-123F64767996}"/>
                 </a:ext>
               </a:extLst>
             </p:cNvPr>
-            <p:cNvGrpSpPr/>
-            <p:nvPr/>
-          </p:nvGrpSpPr>
-          <p:grpSpPr>
-            <a:xfrm>
-              <a:off x="1703028" y="5165658"/>
-              <a:ext cx="1711709" cy="901924"/>
-              <a:chOff x="2622917" y="5458831"/>
-              <a:chExt cx="1711709" cy="901924"/>
-            </a:xfrm>
-          </p:grpSpPr>
-          <p:pic>
-            <p:nvPicPr>
-              <p:cNvPr id="23" name="Picture 22">
-                <a:extLst>
-                  <a:ext uri="{FF2B5EF4-FFF2-40B4-BE49-F238E27FC236}">
-                    <a16:creationId xmlns:a16="http://schemas.microsoft.com/office/drawing/2014/main" id="{067C1B29-D904-F74D-A4E7-81FE15FA7288}"/>
-                  </a:ext>
-                </a:extLst>
-              </p:cNvPr>
-              <p:cNvPicPr>
-                <a:picLocks noChangeAspect="1"/>
-              </p:cNvPicPr>
-              <p:nvPr/>
-            </p:nvPicPr>
-            <p:blipFill rotWithShape="1">
-              <a:blip r:embed="rId2"/>
-              <a:srcRect l="26302" t="1905" r="24095"/>
-              <a:stretch/>
-            </p:blipFill>
-            <p:spPr>
-              <a:xfrm>
-                <a:off x="2622917" y="5488503"/>
-                <a:ext cx="431549" cy="640080"/>
-              </a:xfrm>
-              <a:prstGeom prst="rect">
-                <a:avLst/>
-              </a:prstGeom>
-            </p:spPr>
-          </p:pic>
-          <p:sp>
-            <p:nvSpPr>
-              <p:cNvPr id="24" name="Right Arrow 23">
-                <a:extLst>
-                  <a:ext uri="{FF2B5EF4-FFF2-40B4-BE49-F238E27FC236}">
-                    <a16:creationId xmlns:a16="http://schemas.microsoft.com/office/drawing/2014/main" id="{51EFCCD1-8DED-0347-BDD6-DB3523E5CB4B}"/>
-                  </a:ext>
-                </a:extLst>
-              </p:cNvPr>
-              <p:cNvSpPr/>
-              <p:nvPr/>
-            </p:nvSpPr>
-            <p:spPr>
-              <a:xfrm>
-                <a:off x="3237346" y="5808543"/>
-                <a:ext cx="1097280" cy="182880"/>
-              </a:xfrm>
-              <a:prstGeom prst="rightArrow">
-                <a:avLst/>
-              </a:prstGeom>
-              <a:solidFill>
-                <a:schemeClr val="accent1">
-                  <a:lumMod val="75000"/>
-                </a:schemeClr>
-              </a:solidFill>
-            </p:spPr>
-            <p:style>
-              <a:lnRef idx="2">
-                <a:schemeClr val="accent1">
-                  <a:shade val="50000"/>
-                </a:schemeClr>
-              </a:lnRef>
-              <a:fillRef idx="1">
-                <a:schemeClr val="accent1"/>
-              </a:fillRef>
-              <a:effectRef idx="0">
-                <a:schemeClr val="accent1"/>
-              </a:effectRef>
-              <a:fontRef idx="minor">
-                <a:schemeClr val="lt1"/>
-              </a:fontRef>
-            </p:style>
-            <p:txBody>
-              <a:bodyPr rtlCol="0" anchor="ctr"/>
-              <a:lstStyle/>
-              <a:p>
-                <a:pPr algn="ctr"/>
-                <a:endParaRPr lang="en-US"/>
-              </a:p>
-            </p:txBody>
-          </p:sp>
-          <p:grpSp>
-            <p:nvGrpSpPr>
-              <p:cNvPr id="25" name="Group 24">
-                <a:extLst>
-                  <a:ext uri="{FF2B5EF4-FFF2-40B4-BE49-F238E27FC236}">
-                    <a16:creationId xmlns:a16="http://schemas.microsoft.com/office/drawing/2014/main" id="{5E7D35E6-7C51-954B-ADEF-A757547CD6C1}"/>
-                  </a:ext>
-                </a:extLst>
-              </p:cNvPr>
-              <p:cNvGrpSpPr/>
-              <p:nvPr/>
-            </p:nvGrpSpPr>
-            <p:grpSpPr>
-              <a:xfrm>
-                <a:off x="3420226" y="5458831"/>
-                <a:ext cx="731520" cy="295041"/>
-                <a:chOff x="9699621" y="3380438"/>
-                <a:chExt cx="731520" cy="295041"/>
-              </a:xfrm>
-            </p:grpSpPr>
-            <p:sp>
-              <p:nvSpPr>
-                <p:cNvPr id="27" name="Cube 26">
-                  <a:extLst>
-                    <a:ext uri="{FF2B5EF4-FFF2-40B4-BE49-F238E27FC236}">
-                      <a16:creationId xmlns:a16="http://schemas.microsoft.com/office/drawing/2014/main" id="{73D36867-F5C4-854E-B3B3-BC849667AA99}"/>
-                    </a:ext>
-                  </a:extLst>
-                </p:cNvPr>
-                <p:cNvSpPr>
-                  <a:spLocks noChangeAspect="1"/>
-                </p:cNvSpPr>
-                <p:nvPr/>
-              </p:nvSpPr>
-              <p:spPr>
-                <a:xfrm>
-                  <a:off x="9882501" y="3492599"/>
-                  <a:ext cx="182880" cy="182880"/>
-                </a:xfrm>
-                <a:prstGeom prst="cube">
-                  <a:avLst/>
-                </a:prstGeom>
-                <a:solidFill>
-                  <a:schemeClr val="accent4">
-                    <a:lumMod val="75000"/>
-                  </a:schemeClr>
-                </a:solidFill>
-                <a:ln>
-                  <a:solidFill>
-                    <a:schemeClr val="tx1"/>
-                  </a:solidFill>
-                </a:ln>
-              </p:spPr>
-              <p:style>
-                <a:lnRef idx="2">
-                  <a:schemeClr val="accent1">
-                    <a:shade val="50000"/>
-                  </a:schemeClr>
-                </a:lnRef>
-                <a:fillRef idx="1">
-                  <a:schemeClr val="accent1"/>
-                </a:fillRef>
-                <a:effectRef idx="0">
-                  <a:schemeClr val="accent1"/>
-                </a:effectRef>
-                <a:fontRef idx="minor">
-                  <a:schemeClr val="lt1"/>
-                </a:fontRef>
-              </p:style>
-              <p:txBody>
-                <a:bodyPr rtlCol="0" anchor="ctr"/>
-                <a:lstStyle/>
-                <a:p>
-                  <a:pPr algn="ctr"/>
-                  <a:endParaRPr lang="en-US"/>
-                </a:p>
-              </p:txBody>
-            </p:sp>
-            <p:sp>
-              <p:nvSpPr>
-                <p:cNvPr id="28" name="Cube 27">
-                  <a:extLst>
-                    <a:ext uri="{FF2B5EF4-FFF2-40B4-BE49-F238E27FC236}">
-                      <a16:creationId xmlns:a16="http://schemas.microsoft.com/office/drawing/2014/main" id="{016D3ABF-C48C-C547-9A5F-06F6137A7D30}"/>
-                    </a:ext>
-                  </a:extLst>
-                </p:cNvPr>
-                <p:cNvSpPr>
-                  <a:spLocks noChangeAspect="1"/>
-                </p:cNvSpPr>
-                <p:nvPr/>
-              </p:nvSpPr>
-              <p:spPr>
-                <a:xfrm>
-                  <a:off x="10065381" y="3492599"/>
-                  <a:ext cx="182880" cy="182880"/>
-                </a:xfrm>
-                <a:prstGeom prst="cube">
-                  <a:avLst/>
-                </a:prstGeom>
-                <a:solidFill>
-                  <a:schemeClr val="accent4">
-                    <a:lumMod val="75000"/>
-                  </a:schemeClr>
-                </a:solidFill>
-                <a:ln>
-                  <a:solidFill>
-                    <a:schemeClr val="tx1"/>
-                  </a:solidFill>
-                </a:ln>
-              </p:spPr>
-              <p:style>
-                <a:lnRef idx="2">
-                  <a:schemeClr val="accent1">
-                    <a:shade val="50000"/>
-                  </a:schemeClr>
-                </a:lnRef>
-                <a:fillRef idx="1">
-                  <a:schemeClr val="accent1"/>
-                </a:fillRef>
-                <a:effectRef idx="0">
-                  <a:schemeClr val="accent1"/>
-                </a:effectRef>
-                <a:fontRef idx="minor">
-                  <a:schemeClr val="lt1"/>
-                </a:fontRef>
-              </p:style>
-              <p:txBody>
-                <a:bodyPr rtlCol="0" anchor="ctr"/>
-                <a:lstStyle/>
-                <a:p>
-                  <a:pPr algn="ctr"/>
-                  <a:endParaRPr lang="en-US"/>
-                </a:p>
-              </p:txBody>
-            </p:sp>
-            <p:sp>
-              <p:nvSpPr>
-                <p:cNvPr id="29" name="Cube 28">
-                  <a:extLst>
-                    <a:ext uri="{FF2B5EF4-FFF2-40B4-BE49-F238E27FC236}">
-                      <a16:creationId xmlns:a16="http://schemas.microsoft.com/office/drawing/2014/main" id="{056F320C-9870-AA48-ABCD-97ECA6F8C576}"/>
-                    </a:ext>
-                  </a:extLst>
-                </p:cNvPr>
-                <p:cNvSpPr>
-                  <a:spLocks noChangeAspect="1"/>
-                </p:cNvSpPr>
-                <p:nvPr/>
-              </p:nvSpPr>
-              <p:spPr>
-                <a:xfrm>
-                  <a:off x="9882501" y="3380438"/>
-                  <a:ext cx="182880" cy="182880"/>
-                </a:xfrm>
-                <a:prstGeom prst="cube">
-                  <a:avLst/>
-                </a:prstGeom>
-                <a:solidFill>
-                  <a:schemeClr val="accent4">
-                    <a:lumMod val="75000"/>
-                  </a:schemeClr>
-                </a:solidFill>
-                <a:ln>
-                  <a:solidFill>
-                    <a:schemeClr val="tx1"/>
-                  </a:solidFill>
-                </a:ln>
-              </p:spPr>
-              <p:style>
-                <a:lnRef idx="2">
-                  <a:schemeClr val="accent1">
-                    <a:shade val="50000"/>
-                  </a:schemeClr>
-                </a:lnRef>
-                <a:fillRef idx="1">
-                  <a:schemeClr val="accent1"/>
-                </a:fillRef>
-                <a:effectRef idx="0">
-                  <a:schemeClr val="accent1"/>
-                </a:effectRef>
-                <a:fontRef idx="minor">
-                  <a:schemeClr val="lt1"/>
-                </a:fontRef>
-              </p:style>
-              <p:txBody>
-                <a:bodyPr rtlCol="0" anchor="ctr"/>
-                <a:lstStyle/>
-                <a:p>
-                  <a:pPr algn="ctr"/>
-                  <a:endParaRPr lang="en-US"/>
-                </a:p>
-              </p:txBody>
-            </p:sp>
-            <p:sp>
-              <p:nvSpPr>
-                <p:cNvPr id="30" name="Cube 29">
-                  <a:extLst>
-                    <a:ext uri="{FF2B5EF4-FFF2-40B4-BE49-F238E27FC236}">
-                      <a16:creationId xmlns:a16="http://schemas.microsoft.com/office/drawing/2014/main" id="{04EA6B11-726D-0945-B55E-7D5BBB82215D}"/>
-                    </a:ext>
-                  </a:extLst>
-                </p:cNvPr>
-                <p:cNvSpPr>
-                  <a:spLocks noChangeAspect="1"/>
-                </p:cNvSpPr>
-                <p:nvPr/>
-              </p:nvSpPr>
-              <p:spPr>
-                <a:xfrm>
-                  <a:off x="10065381" y="3380438"/>
-                  <a:ext cx="182880" cy="182880"/>
-                </a:xfrm>
-                <a:prstGeom prst="cube">
-                  <a:avLst/>
-                </a:prstGeom>
-                <a:solidFill>
-                  <a:schemeClr val="accent4">
-                    <a:lumMod val="75000"/>
-                  </a:schemeClr>
-                </a:solidFill>
-                <a:ln>
-                  <a:solidFill>
-                    <a:schemeClr val="tx1"/>
-                  </a:solidFill>
-                </a:ln>
-              </p:spPr>
-              <p:style>
-                <a:lnRef idx="2">
-                  <a:schemeClr val="accent1">
-                    <a:shade val="50000"/>
-                  </a:schemeClr>
-                </a:lnRef>
-                <a:fillRef idx="1">
-                  <a:schemeClr val="accent1"/>
-                </a:fillRef>
-                <a:effectRef idx="0">
-                  <a:schemeClr val="accent1"/>
-                </a:effectRef>
-                <a:fontRef idx="minor">
-                  <a:schemeClr val="lt1"/>
-                </a:fontRef>
-              </p:style>
-              <p:txBody>
-                <a:bodyPr rtlCol="0" anchor="ctr"/>
-                <a:lstStyle/>
-                <a:p>
-                  <a:pPr algn="ctr"/>
-                  <a:endParaRPr lang="en-US"/>
-                </a:p>
-              </p:txBody>
-            </p:sp>
-            <p:sp>
-              <p:nvSpPr>
-                <p:cNvPr id="31" name="Cube 30">
-                  <a:extLst>
-                    <a:ext uri="{FF2B5EF4-FFF2-40B4-BE49-F238E27FC236}">
-                      <a16:creationId xmlns:a16="http://schemas.microsoft.com/office/drawing/2014/main" id="{83EB873D-EA27-0443-A8D4-EA7237633C9B}"/>
-                    </a:ext>
-                  </a:extLst>
-                </p:cNvPr>
-                <p:cNvSpPr>
-                  <a:spLocks noChangeAspect="1"/>
-                </p:cNvSpPr>
-                <p:nvPr/>
-              </p:nvSpPr>
-              <p:spPr>
-                <a:xfrm>
-                  <a:off x="10248261" y="3492599"/>
-                  <a:ext cx="182880" cy="182880"/>
-                </a:xfrm>
-                <a:prstGeom prst="cube">
-                  <a:avLst/>
-                </a:prstGeom>
-                <a:solidFill>
-                  <a:schemeClr val="accent4">
-                    <a:lumMod val="75000"/>
-                  </a:schemeClr>
-                </a:solidFill>
-                <a:ln>
-                  <a:solidFill>
-                    <a:schemeClr val="tx1"/>
-                  </a:solidFill>
-                </a:ln>
-              </p:spPr>
-              <p:style>
-                <a:lnRef idx="2">
-                  <a:schemeClr val="accent1">
-                    <a:shade val="50000"/>
-                  </a:schemeClr>
-                </a:lnRef>
-                <a:fillRef idx="1">
-                  <a:schemeClr val="accent1"/>
-                </a:fillRef>
-                <a:effectRef idx="0">
-                  <a:schemeClr val="accent1"/>
-                </a:effectRef>
-                <a:fontRef idx="minor">
-                  <a:schemeClr val="lt1"/>
-                </a:fontRef>
-              </p:style>
-              <p:txBody>
-                <a:bodyPr rtlCol="0" anchor="ctr"/>
-                <a:lstStyle/>
-                <a:p>
-                  <a:pPr algn="ctr"/>
-                  <a:endParaRPr lang="en-US"/>
-                </a:p>
-              </p:txBody>
-            </p:sp>
-            <p:sp>
-              <p:nvSpPr>
-                <p:cNvPr id="32" name="Cube 31">
-                  <a:extLst>
-                    <a:ext uri="{FF2B5EF4-FFF2-40B4-BE49-F238E27FC236}">
-                      <a16:creationId xmlns:a16="http://schemas.microsoft.com/office/drawing/2014/main" id="{09F784D1-EA50-CD4F-8F42-5437C4BD8A55}"/>
-                    </a:ext>
-                  </a:extLst>
-                </p:cNvPr>
-                <p:cNvSpPr>
-                  <a:spLocks noChangeAspect="1"/>
-                </p:cNvSpPr>
-                <p:nvPr/>
-              </p:nvSpPr>
-              <p:spPr>
-                <a:xfrm>
-                  <a:off x="10248261" y="3380438"/>
-                  <a:ext cx="182880" cy="182880"/>
-                </a:xfrm>
-                <a:prstGeom prst="cube">
-                  <a:avLst/>
-                </a:prstGeom>
-                <a:solidFill>
-                  <a:schemeClr val="accent4">
-                    <a:lumMod val="75000"/>
-                  </a:schemeClr>
-                </a:solidFill>
-                <a:ln>
-                  <a:solidFill>
-                    <a:schemeClr val="tx1"/>
-                  </a:solidFill>
-                </a:ln>
-              </p:spPr>
-              <p:style>
-                <a:lnRef idx="2">
-                  <a:schemeClr val="accent1">
-                    <a:shade val="50000"/>
-                  </a:schemeClr>
-                </a:lnRef>
-                <a:fillRef idx="1">
-                  <a:schemeClr val="accent1"/>
-                </a:fillRef>
-                <a:effectRef idx="0">
-                  <a:schemeClr val="accent1"/>
-                </a:effectRef>
-                <a:fontRef idx="minor">
-                  <a:schemeClr val="lt1"/>
-                </a:fontRef>
-              </p:style>
-              <p:txBody>
-                <a:bodyPr rtlCol="0" anchor="ctr"/>
-                <a:lstStyle/>
-                <a:p>
-                  <a:pPr algn="ctr"/>
-                  <a:endParaRPr lang="en-US"/>
-                </a:p>
-              </p:txBody>
-            </p:sp>
-            <p:sp>
-              <p:nvSpPr>
-                <p:cNvPr id="33" name="Cube 32">
-                  <a:extLst>
-                    <a:ext uri="{FF2B5EF4-FFF2-40B4-BE49-F238E27FC236}">
-                      <a16:creationId xmlns:a16="http://schemas.microsoft.com/office/drawing/2014/main" id="{9D614714-1F95-CF4F-8BF0-3D98C71152D6}"/>
-                    </a:ext>
-                  </a:extLst>
-                </p:cNvPr>
-                <p:cNvSpPr>
-                  <a:spLocks noChangeAspect="1"/>
-                </p:cNvSpPr>
-                <p:nvPr/>
-              </p:nvSpPr>
-              <p:spPr>
-                <a:xfrm>
-                  <a:off x="9699621" y="3492599"/>
-                  <a:ext cx="182880" cy="182880"/>
-                </a:xfrm>
-                <a:prstGeom prst="cube">
-                  <a:avLst/>
-                </a:prstGeom>
-                <a:solidFill>
-                  <a:schemeClr val="accent4">
-                    <a:lumMod val="75000"/>
-                  </a:schemeClr>
-                </a:solidFill>
-                <a:ln>
-                  <a:solidFill>
-                    <a:schemeClr val="tx1"/>
-                  </a:solidFill>
-                </a:ln>
-              </p:spPr>
-              <p:style>
-                <a:lnRef idx="2">
-                  <a:schemeClr val="accent1">
-                    <a:shade val="50000"/>
-                  </a:schemeClr>
-                </a:lnRef>
-                <a:fillRef idx="1">
-                  <a:schemeClr val="accent1"/>
-                </a:fillRef>
-                <a:effectRef idx="0">
-                  <a:schemeClr val="accent1"/>
-                </a:effectRef>
-                <a:fontRef idx="minor">
-                  <a:schemeClr val="lt1"/>
-                </a:fontRef>
-              </p:style>
-              <p:txBody>
-                <a:bodyPr rtlCol="0" anchor="ctr"/>
-                <a:lstStyle/>
-                <a:p>
-                  <a:pPr algn="ctr"/>
-                  <a:endParaRPr lang="en-US"/>
-                </a:p>
-              </p:txBody>
-            </p:sp>
-            <p:sp>
-              <p:nvSpPr>
-                <p:cNvPr id="34" name="Cube 33">
-                  <a:extLst>
-                    <a:ext uri="{FF2B5EF4-FFF2-40B4-BE49-F238E27FC236}">
-                      <a16:creationId xmlns:a16="http://schemas.microsoft.com/office/drawing/2014/main" id="{A2FB315C-C5A6-764E-BF1D-CEC43D5522B8}"/>
-                    </a:ext>
-                  </a:extLst>
-                </p:cNvPr>
-                <p:cNvSpPr>
-                  <a:spLocks noChangeAspect="1"/>
-                </p:cNvSpPr>
-                <p:nvPr/>
-              </p:nvSpPr>
-              <p:spPr>
-                <a:xfrm>
-                  <a:off x="9699621" y="3380438"/>
-                  <a:ext cx="182880" cy="182880"/>
-                </a:xfrm>
-                <a:prstGeom prst="cube">
-                  <a:avLst/>
-                </a:prstGeom>
-                <a:solidFill>
-                  <a:schemeClr val="accent4">
-                    <a:lumMod val="75000"/>
-                  </a:schemeClr>
-                </a:solidFill>
-                <a:ln>
-                  <a:solidFill>
-                    <a:schemeClr val="tx1"/>
-                  </a:solidFill>
-                </a:ln>
-              </p:spPr>
-              <p:style>
-                <a:lnRef idx="2">
-                  <a:schemeClr val="accent1">
-                    <a:shade val="50000"/>
-                  </a:schemeClr>
-                </a:lnRef>
-                <a:fillRef idx="1">
-                  <a:schemeClr val="accent1"/>
-                </a:fillRef>
-                <a:effectRef idx="0">
-                  <a:schemeClr val="accent1"/>
-                </a:effectRef>
-                <a:fontRef idx="minor">
-                  <a:schemeClr val="lt1"/>
-                </a:fontRef>
-              </p:style>
-              <p:txBody>
-                <a:bodyPr rtlCol="0" anchor="ctr"/>
-                <a:lstStyle/>
-                <a:p>
-                  <a:pPr algn="ctr"/>
-                  <a:endParaRPr lang="en-US"/>
-                </a:p>
-              </p:txBody>
-            </p:sp>
-          </p:grpSp>
-          <p:sp>
-            <p:nvSpPr>
-              <p:cNvPr id="26" name="TextBox 25">
-                <a:extLst>
-                  <a:ext uri="{FF2B5EF4-FFF2-40B4-BE49-F238E27FC236}">
-                    <a16:creationId xmlns:a16="http://schemas.microsoft.com/office/drawing/2014/main" id="{499C159C-C7FB-A84E-BEF0-D3A083494DF5}"/>
-                  </a:ext>
-                </a:extLst>
-              </p:cNvPr>
-              <p:cNvSpPr txBox="1"/>
-              <p:nvPr/>
-            </p:nvSpPr>
-            <p:spPr>
-              <a:xfrm>
-                <a:off x="3341601" y="5991423"/>
-                <a:ext cx="888769" cy="369332"/>
-              </a:xfrm>
-              <a:prstGeom prst="rect">
-                <a:avLst/>
-              </a:prstGeom>
-              <a:noFill/>
-            </p:spPr>
-            <p:txBody>
-              <a:bodyPr wrap="none" rtlCol="0">
-                <a:spAutoFit/>
-              </a:bodyPr>
-              <a:lstStyle/>
-              <a:p>
-                <a:r>
-                  <a:rPr lang="en-US" dirty="0"/>
-                  <a:t>0.7 m/s</a:t>
-                </a:r>
-              </a:p>
-            </p:txBody>
-          </p:sp>
-        </p:grpSp>
-        <p:sp>
-          <p:nvSpPr>
-            <p:cNvPr id="22" name="TextBox 21">
-              <a:extLst>
-                <a:ext uri="{FF2B5EF4-FFF2-40B4-BE49-F238E27FC236}">
-                  <a16:creationId xmlns:a16="http://schemas.microsoft.com/office/drawing/2014/main" id="{E5E12D93-603E-D146-9A49-C3647E775DC3}"/>
-                </a:ext>
-              </a:extLst>
-            </p:cNvPr>
-            <p:cNvSpPr txBox="1"/>
+            <p:cNvSpPr>
+              <a:spLocks noChangeAspect="1"/>
+            </p:cNvSpPr>
             <p:nvPr/>
           </p:nvSpPr>
           <p:spPr>
             <a:xfrm>
-              <a:off x="3529975" y="5262677"/>
-              <a:ext cx="3174459" cy="707886"/>
+              <a:off x="9882501" y="3492599"/>
+              <a:ext cx="182880" cy="182880"/>
             </a:xfrm>
-            <a:prstGeom prst="rect">
+            <a:prstGeom prst="cube">
               <a:avLst/>
             </a:prstGeom>
-            <a:noFill/>
+            <a:solidFill>
+              <a:schemeClr val="accent4">
+                <a:lumMod val="75000"/>
+              </a:schemeClr>
+            </a:solidFill>
+            <a:ln>
+              <a:solidFill>
+                <a:schemeClr val="tx1"/>
+              </a:solidFill>
+            </a:ln>
           </p:spPr>
+          <p:style>
+            <a:lnRef idx="2">
+              <a:schemeClr val="accent1">
+                <a:shade val="50000"/>
+              </a:schemeClr>
+            </a:lnRef>
+            <a:fillRef idx="1">
+              <a:schemeClr val="accent1"/>
+            </a:fillRef>
+            <a:effectRef idx="0">
+              <a:schemeClr val="accent1"/>
+            </a:effectRef>
+            <a:fontRef idx="minor">
+              <a:schemeClr val="lt1"/>
+            </a:fontRef>
+          </p:style>
           <p:txBody>
-            <a:bodyPr wrap="none" rtlCol="0">
-              <a:spAutoFit/>
-            </a:bodyPr>
+            <a:bodyPr rtlCol="0" anchor="ctr"/>
             <a:lstStyle/>
             <a:p>
-              <a:r>
-                <a:rPr lang="en-US" sz="2000" dirty="0"/>
-                <a:t>Probability of collision = </a:t>
-              </a:r>
-              <a:r>
-                <a:rPr lang="en-US" sz="2000" b="1" dirty="0"/>
-                <a:t>40%</a:t>
-              </a:r>
+              <a:pPr algn="ctr"/>
+              <a:endParaRPr lang="en-US"/>
             </a:p>
+          </p:txBody>
+        </p:sp>
+        <p:sp>
+          <p:nvSpPr>
+            <p:cNvPr id="71" name="Cube 70">
+              <a:extLst>
+                <a:ext uri="{FF2B5EF4-FFF2-40B4-BE49-F238E27FC236}">
+                  <a16:creationId xmlns:a16="http://schemas.microsoft.com/office/drawing/2014/main" id="{7DCD72B5-D27F-A54B-97ED-256DAF4FC2B1}"/>
+                </a:ext>
+              </a:extLst>
+            </p:cNvPr>
+            <p:cNvSpPr>
+              <a:spLocks noChangeAspect="1"/>
+            </p:cNvSpPr>
+            <p:nvPr/>
+          </p:nvSpPr>
+          <p:spPr>
+            <a:xfrm>
+              <a:off x="10065381" y="3492599"/>
+              <a:ext cx="182880" cy="182880"/>
+            </a:xfrm>
+            <a:prstGeom prst="cube">
+              <a:avLst/>
+            </a:prstGeom>
+            <a:solidFill>
+              <a:schemeClr val="accent4">
+                <a:lumMod val="75000"/>
+              </a:schemeClr>
+            </a:solidFill>
+            <a:ln>
+              <a:solidFill>
+                <a:schemeClr val="tx1"/>
+              </a:solidFill>
+            </a:ln>
+          </p:spPr>
+          <p:style>
+            <a:lnRef idx="2">
+              <a:schemeClr val="accent1">
+                <a:shade val="50000"/>
+              </a:schemeClr>
+            </a:lnRef>
+            <a:fillRef idx="1">
+              <a:schemeClr val="accent1"/>
+            </a:fillRef>
+            <a:effectRef idx="0">
+              <a:schemeClr val="accent1"/>
+            </a:effectRef>
+            <a:fontRef idx="minor">
+              <a:schemeClr val="lt1"/>
+            </a:fontRef>
+          </p:style>
+          <p:txBody>
+            <a:bodyPr rtlCol="0" anchor="ctr"/>
+            <a:lstStyle/>
             <a:p>
-              <a:r>
-                <a:rPr lang="en-US" sz="2000" dirty="0"/>
-                <a:t>(Expected collision = </a:t>
-              </a:r>
-              <a:r>
-                <a:rPr lang="en-US" sz="2000" b="1" dirty="0"/>
-                <a:t>0.4</a:t>
-              </a:r>
-              <a:r>
-                <a:rPr lang="en-US" sz="2000" dirty="0"/>
-                <a:t>)</a:t>
-              </a:r>
+              <a:pPr algn="ctr"/>
+              <a:endParaRPr lang="en-US"/>
+            </a:p>
+          </p:txBody>
+        </p:sp>
+        <p:sp>
+          <p:nvSpPr>
+            <p:cNvPr id="72" name="Cube 71">
+              <a:extLst>
+                <a:ext uri="{FF2B5EF4-FFF2-40B4-BE49-F238E27FC236}">
+                  <a16:creationId xmlns:a16="http://schemas.microsoft.com/office/drawing/2014/main" id="{6594A38E-3389-344C-87C2-421390313645}"/>
+                </a:ext>
+              </a:extLst>
+            </p:cNvPr>
+            <p:cNvSpPr>
+              <a:spLocks noChangeAspect="1"/>
+            </p:cNvSpPr>
+            <p:nvPr/>
+          </p:nvSpPr>
+          <p:spPr>
+            <a:xfrm>
+              <a:off x="9882501" y="3380438"/>
+              <a:ext cx="182880" cy="182880"/>
+            </a:xfrm>
+            <a:prstGeom prst="cube">
+              <a:avLst/>
+            </a:prstGeom>
+            <a:solidFill>
+              <a:schemeClr val="accent4">
+                <a:lumMod val="75000"/>
+              </a:schemeClr>
+            </a:solidFill>
+            <a:ln>
+              <a:solidFill>
+                <a:schemeClr val="tx1"/>
+              </a:solidFill>
+            </a:ln>
+          </p:spPr>
+          <p:style>
+            <a:lnRef idx="2">
+              <a:schemeClr val="accent1">
+                <a:shade val="50000"/>
+              </a:schemeClr>
+            </a:lnRef>
+            <a:fillRef idx="1">
+              <a:schemeClr val="accent1"/>
+            </a:fillRef>
+            <a:effectRef idx="0">
+              <a:schemeClr val="accent1"/>
+            </a:effectRef>
+            <a:fontRef idx="minor">
+              <a:schemeClr val="lt1"/>
+            </a:fontRef>
+          </p:style>
+          <p:txBody>
+            <a:bodyPr rtlCol="0" anchor="ctr"/>
+            <a:lstStyle/>
+            <a:p>
+              <a:pPr algn="ctr"/>
+              <a:endParaRPr lang="en-US"/>
+            </a:p>
+          </p:txBody>
+        </p:sp>
+        <p:sp>
+          <p:nvSpPr>
+            <p:cNvPr id="73" name="Cube 72">
+              <a:extLst>
+                <a:ext uri="{FF2B5EF4-FFF2-40B4-BE49-F238E27FC236}">
+                  <a16:creationId xmlns:a16="http://schemas.microsoft.com/office/drawing/2014/main" id="{4DA8905A-9BF2-6442-AF79-1E6F50CC692F}"/>
+                </a:ext>
+              </a:extLst>
+            </p:cNvPr>
+            <p:cNvSpPr>
+              <a:spLocks noChangeAspect="1"/>
+            </p:cNvSpPr>
+            <p:nvPr/>
+          </p:nvSpPr>
+          <p:spPr>
+            <a:xfrm>
+              <a:off x="10065381" y="3380438"/>
+              <a:ext cx="182880" cy="182880"/>
+            </a:xfrm>
+            <a:prstGeom prst="cube">
+              <a:avLst/>
+            </a:prstGeom>
+            <a:solidFill>
+              <a:schemeClr val="accent4">
+                <a:lumMod val="75000"/>
+              </a:schemeClr>
+            </a:solidFill>
+            <a:ln>
+              <a:solidFill>
+                <a:schemeClr val="tx1"/>
+              </a:solidFill>
+            </a:ln>
+          </p:spPr>
+          <p:style>
+            <a:lnRef idx="2">
+              <a:schemeClr val="accent1">
+                <a:shade val="50000"/>
+              </a:schemeClr>
+            </a:lnRef>
+            <a:fillRef idx="1">
+              <a:schemeClr val="accent1"/>
+            </a:fillRef>
+            <a:effectRef idx="0">
+              <a:schemeClr val="accent1"/>
+            </a:effectRef>
+            <a:fontRef idx="minor">
+              <a:schemeClr val="lt1"/>
+            </a:fontRef>
+          </p:style>
+          <p:txBody>
+            <a:bodyPr rtlCol="0" anchor="ctr"/>
+            <a:lstStyle/>
+            <a:p>
+              <a:pPr algn="ctr"/>
+              <a:endParaRPr lang="en-US"/>
+            </a:p>
+          </p:txBody>
+        </p:sp>
+        <p:sp>
+          <p:nvSpPr>
+            <p:cNvPr id="74" name="Cube 73">
+              <a:extLst>
+                <a:ext uri="{FF2B5EF4-FFF2-40B4-BE49-F238E27FC236}">
+                  <a16:creationId xmlns:a16="http://schemas.microsoft.com/office/drawing/2014/main" id="{B30D349F-8C1A-9C48-9B46-FEEB6373713B}"/>
+                </a:ext>
+              </a:extLst>
+            </p:cNvPr>
+            <p:cNvSpPr>
+              <a:spLocks noChangeAspect="1"/>
+            </p:cNvSpPr>
+            <p:nvPr/>
+          </p:nvSpPr>
+          <p:spPr>
+            <a:xfrm>
+              <a:off x="10248261" y="3492599"/>
+              <a:ext cx="182880" cy="182880"/>
+            </a:xfrm>
+            <a:prstGeom prst="cube">
+              <a:avLst/>
+            </a:prstGeom>
+            <a:solidFill>
+              <a:schemeClr val="accent4">
+                <a:lumMod val="75000"/>
+              </a:schemeClr>
+            </a:solidFill>
+            <a:ln>
+              <a:solidFill>
+                <a:schemeClr val="tx1"/>
+              </a:solidFill>
+            </a:ln>
+          </p:spPr>
+          <p:style>
+            <a:lnRef idx="2">
+              <a:schemeClr val="accent1">
+                <a:shade val="50000"/>
+              </a:schemeClr>
+            </a:lnRef>
+            <a:fillRef idx="1">
+              <a:schemeClr val="accent1"/>
+            </a:fillRef>
+            <a:effectRef idx="0">
+              <a:schemeClr val="accent1"/>
+            </a:effectRef>
+            <a:fontRef idx="minor">
+              <a:schemeClr val="lt1"/>
+            </a:fontRef>
+          </p:style>
+          <p:txBody>
+            <a:bodyPr rtlCol="0" anchor="ctr"/>
+            <a:lstStyle/>
+            <a:p>
+              <a:pPr algn="ctr"/>
+              <a:endParaRPr lang="en-US"/>
+            </a:p>
+          </p:txBody>
+        </p:sp>
+        <p:sp>
+          <p:nvSpPr>
+            <p:cNvPr id="75" name="Cube 74">
+              <a:extLst>
+                <a:ext uri="{FF2B5EF4-FFF2-40B4-BE49-F238E27FC236}">
+                  <a16:creationId xmlns:a16="http://schemas.microsoft.com/office/drawing/2014/main" id="{24F0E945-0317-0046-96E7-F5EBD99F5D92}"/>
+                </a:ext>
+              </a:extLst>
+            </p:cNvPr>
+            <p:cNvSpPr>
+              <a:spLocks noChangeAspect="1"/>
+            </p:cNvSpPr>
+            <p:nvPr/>
+          </p:nvSpPr>
+          <p:spPr>
+            <a:xfrm>
+              <a:off x="10248261" y="3380438"/>
+              <a:ext cx="182880" cy="182880"/>
+            </a:xfrm>
+            <a:prstGeom prst="cube">
+              <a:avLst/>
+            </a:prstGeom>
+            <a:solidFill>
+              <a:schemeClr val="accent4">
+                <a:lumMod val="75000"/>
+              </a:schemeClr>
+            </a:solidFill>
+            <a:ln>
+              <a:solidFill>
+                <a:schemeClr val="tx1"/>
+              </a:solidFill>
+            </a:ln>
+          </p:spPr>
+          <p:style>
+            <a:lnRef idx="2">
+              <a:schemeClr val="accent1">
+                <a:shade val="50000"/>
+              </a:schemeClr>
+            </a:lnRef>
+            <a:fillRef idx="1">
+              <a:schemeClr val="accent1"/>
+            </a:fillRef>
+            <a:effectRef idx="0">
+              <a:schemeClr val="accent1"/>
+            </a:effectRef>
+            <a:fontRef idx="minor">
+              <a:schemeClr val="lt1"/>
+            </a:fontRef>
+          </p:style>
+          <p:txBody>
+            <a:bodyPr rtlCol="0" anchor="ctr"/>
+            <a:lstStyle/>
+            <a:p>
+              <a:pPr algn="ctr"/>
+              <a:endParaRPr lang="en-US"/>
+            </a:p>
+          </p:txBody>
+        </p:sp>
+        <p:sp>
+          <p:nvSpPr>
+            <p:cNvPr id="76" name="Cube 75">
+              <a:extLst>
+                <a:ext uri="{FF2B5EF4-FFF2-40B4-BE49-F238E27FC236}">
+                  <a16:creationId xmlns:a16="http://schemas.microsoft.com/office/drawing/2014/main" id="{0CC11466-92B8-B447-8570-9FC9C72702B5}"/>
+                </a:ext>
+              </a:extLst>
+            </p:cNvPr>
+            <p:cNvSpPr>
+              <a:spLocks noChangeAspect="1"/>
+            </p:cNvSpPr>
+            <p:nvPr/>
+          </p:nvSpPr>
+          <p:spPr>
+            <a:xfrm>
+              <a:off x="9699621" y="3492599"/>
+              <a:ext cx="182880" cy="182880"/>
+            </a:xfrm>
+            <a:prstGeom prst="cube">
+              <a:avLst/>
+            </a:prstGeom>
+            <a:solidFill>
+              <a:schemeClr val="accent4">
+                <a:lumMod val="75000"/>
+              </a:schemeClr>
+            </a:solidFill>
+            <a:ln>
+              <a:solidFill>
+                <a:schemeClr val="tx1"/>
+              </a:solidFill>
+            </a:ln>
+          </p:spPr>
+          <p:style>
+            <a:lnRef idx="2">
+              <a:schemeClr val="accent1">
+                <a:shade val="50000"/>
+              </a:schemeClr>
+            </a:lnRef>
+            <a:fillRef idx="1">
+              <a:schemeClr val="accent1"/>
+            </a:fillRef>
+            <a:effectRef idx="0">
+              <a:schemeClr val="accent1"/>
+            </a:effectRef>
+            <a:fontRef idx="minor">
+              <a:schemeClr val="lt1"/>
+            </a:fontRef>
+          </p:style>
+          <p:txBody>
+            <a:bodyPr rtlCol="0" anchor="ctr"/>
+            <a:lstStyle/>
+            <a:p>
+              <a:pPr algn="ctr"/>
+              <a:endParaRPr lang="en-US"/>
+            </a:p>
+          </p:txBody>
+        </p:sp>
+        <p:sp>
+          <p:nvSpPr>
+            <p:cNvPr id="77" name="Cube 76">
+              <a:extLst>
+                <a:ext uri="{FF2B5EF4-FFF2-40B4-BE49-F238E27FC236}">
+                  <a16:creationId xmlns:a16="http://schemas.microsoft.com/office/drawing/2014/main" id="{65CC64AF-468B-4640-B61F-AB2B8807F3D1}"/>
+                </a:ext>
+              </a:extLst>
+            </p:cNvPr>
+            <p:cNvSpPr>
+              <a:spLocks noChangeAspect="1"/>
+            </p:cNvSpPr>
+            <p:nvPr/>
+          </p:nvSpPr>
+          <p:spPr>
+            <a:xfrm>
+              <a:off x="9699621" y="3380438"/>
+              <a:ext cx="182880" cy="182880"/>
+            </a:xfrm>
+            <a:prstGeom prst="cube">
+              <a:avLst/>
+            </a:prstGeom>
+            <a:solidFill>
+              <a:schemeClr val="accent4">
+                <a:lumMod val="75000"/>
+              </a:schemeClr>
+            </a:solidFill>
+            <a:ln>
+              <a:solidFill>
+                <a:schemeClr val="tx1"/>
+              </a:solidFill>
+            </a:ln>
+          </p:spPr>
+          <p:style>
+            <a:lnRef idx="2">
+              <a:schemeClr val="accent1">
+                <a:shade val="50000"/>
+              </a:schemeClr>
+            </a:lnRef>
+            <a:fillRef idx="1">
+              <a:schemeClr val="accent1"/>
+            </a:fillRef>
+            <a:effectRef idx="0">
+              <a:schemeClr val="accent1"/>
+            </a:effectRef>
+            <a:fontRef idx="minor">
+              <a:schemeClr val="lt1"/>
+            </a:fontRef>
+          </p:style>
+          <p:txBody>
+            <a:bodyPr rtlCol="0" anchor="ctr"/>
+            <a:lstStyle/>
+            <a:p>
+              <a:pPr algn="ctr"/>
+              <a:endParaRPr lang="en-US"/>
             </a:p>
           </p:txBody>
         </p:sp>
       </p:grpSp>
+      <p:sp>
+        <p:nvSpPr>
+          <p:cNvPr id="78" name="TextBox 77">
+            <a:extLst>
+              <a:ext uri="{FF2B5EF4-FFF2-40B4-BE49-F238E27FC236}">
+                <a16:creationId xmlns:a16="http://schemas.microsoft.com/office/drawing/2014/main" id="{3EAF75C9-802D-B44E-8C1D-D05275F76EBE}"/>
+              </a:ext>
+            </a:extLst>
+          </p:cNvPr>
+          <p:cNvSpPr txBox="1"/>
+          <p:nvPr/>
+        </p:nvSpPr>
+        <p:spPr>
+          <a:xfrm>
+            <a:off x="2231212" y="5139073"/>
+            <a:ext cx="888769" cy="369332"/>
+          </a:xfrm>
+          <a:prstGeom prst="rect">
+            <a:avLst/>
+          </a:prstGeom>
+          <a:noFill/>
+        </p:spPr>
+        <p:txBody>
+          <a:bodyPr wrap="none" rtlCol="0">
+            <a:spAutoFit/>
+          </a:bodyPr>
+          <a:lstStyle/>
+          <a:p>
+            <a:r>
+              <a:rPr lang="en-US" dirty="0"/>
+              <a:t>0.7 m/s</a:t>
+            </a:r>
+          </a:p>
+        </p:txBody>
+      </p:sp>
+      <p:sp>
+        <p:nvSpPr>
+          <p:cNvPr id="79" name="TextBox 78">
+            <a:extLst>
+              <a:ext uri="{FF2B5EF4-FFF2-40B4-BE49-F238E27FC236}">
+                <a16:creationId xmlns:a16="http://schemas.microsoft.com/office/drawing/2014/main" id="{5DDF0164-E92F-F944-BAE5-BACA4755C501}"/>
+              </a:ext>
+            </a:extLst>
+          </p:cNvPr>
+          <p:cNvSpPr txBox="1"/>
+          <p:nvPr/>
+        </p:nvSpPr>
+        <p:spPr>
+          <a:xfrm>
+            <a:off x="3339475" y="4703500"/>
+            <a:ext cx="3174459" cy="707886"/>
+          </a:xfrm>
+          <a:prstGeom prst="rect">
+            <a:avLst/>
+          </a:prstGeom>
+          <a:noFill/>
+        </p:spPr>
+        <p:txBody>
+          <a:bodyPr wrap="none" rtlCol="0">
+            <a:spAutoFit/>
+          </a:bodyPr>
+          <a:lstStyle/>
+          <a:p>
+            <a:r>
+              <a:rPr lang="en-US" sz="2000" dirty="0"/>
+              <a:t>Probability of collision = </a:t>
+            </a:r>
+            <a:r>
+              <a:rPr lang="en-US" sz="2000" b="1" dirty="0"/>
+              <a:t>40%</a:t>
+            </a:r>
+          </a:p>
+          <a:p>
+            <a:r>
+              <a:rPr lang="en-US" sz="2000" dirty="0"/>
+              <a:t>(Expected collision = </a:t>
+            </a:r>
+            <a:r>
+              <a:rPr lang="en-US" sz="2000" b="1" dirty="0"/>
+              <a:t>0.4</a:t>
+            </a:r>
+            <a:r>
+              <a:rPr lang="en-US" sz="2000" dirty="0"/>
+              <a:t>)</a:t>
+            </a:r>
+          </a:p>
+        </p:txBody>
+      </p:sp>
       <p:grpSp>
         <p:nvGrpSpPr>
-          <p:cNvPr id="35" name="Group 34">
-            <a:extLst>
-              <a:ext uri="{FF2B5EF4-FFF2-40B4-BE49-F238E27FC236}">
-                <a16:creationId xmlns:a16="http://schemas.microsoft.com/office/drawing/2014/main" id="{BEC5C20D-6F08-0F48-94C2-4BFEA37758A3}"/>
+          <p:cNvPr id="80" name="Group 79">
+            <a:extLst>
+              <a:ext uri="{FF2B5EF4-FFF2-40B4-BE49-F238E27FC236}">
+                <a16:creationId xmlns:a16="http://schemas.microsoft.com/office/drawing/2014/main" id="{2B1825DA-954A-3D4F-9A79-803E2C0408D4}"/>
               </a:ext>
             </a:extLst>
           </p:cNvPr>
@@ -4936,7 +4684,7 @@
         </p:nvGrpSpPr>
         <p:grpSpPr>
           <a:xfrm>
-            <a:off x="6815572" y="1343547"/>
+            <a:off x="6815572" y="1346429"/>
             <a:ext cx="4590895" cy="881285"/>
             <a:chOff x="7006072" y="1843674"/>
             <a:chExt cx="4590895" cy="881285"/>
@@ -4944,10 +4692,10 @@
         </p:grpSpPr>
         <p:grpSp>
           <p:nvGrpSpPr>
-            <p:cNvPr id="36" name="Group 35">
+            <p:cNvPr id="81" name="Group 80">
               <a:extLst>
                 <a:ext uri="{FF2B5EF4-FFF2-40B4-BE49-F238E27FC236}">
-                  <a16:creationId xmlns:a16="http://schemas.microsoft.com/office/drawing/2014/main" id="{D7F20B1F-0716-3640-8E3A-328ECA6A4591}"/>
+                  <a16:creationId xmlns:a16="http://schemas.microsoft.com/office/drawing/2014/main" id="{B83B2079-35DE-8245-91D3-C6EC216EB3EE}"/>
                 </a:ext>
               </a:extLst>
             </p:cNvPr>
@@ -4964,10 +4712,10 @@
           </p:grpSpPr>
           <p:pic>
             <p:nvPicPr>
-              <p:cNvPr id="38" name="Picture 37">
+              <p:cNvPr id="83" name="Picture 82">
                 <a:extLst>
                   <a:ext uri="{FF2B5EF4-FFF2-40B4-BE49-F238E27FC236}">
-                    <a16:creationId xmlns:a16="http://schemas.microsoft.com/office/drawing/2014/main" id="{C6CE9F8B-05C7-6741-BA83-1898C66722B2}"/>
+                    <a16:creationId xmlns:a16="http://schemas.microsoft.com/office/drawing/2014/main" id="{913870A5-8F1A-EA4D-A2C9-FE84B8BDBDA1}"/>
                   </a:ext>
                 </a:extLst>
               </p:cNvPr>
@@ -4993,10 +4741,10 @@
           </p:pic>
           <p:sp>
             <p:nvSpPr>
-              <p:cNvPr id="39" name="Right Arrow 38">
+              <p:cNvPr id="84" name="Right Arrow 83">
                 <a:extLst>
                   <a:ext uri="{FF2B5EF4-FFF2-40B4-BE49-F238E27FC236}">
-                    <a16:creationId xmlns:a16="http://schemas.microsoft.com/office/drawing/2014/main" id="{B6A67885-5160-5A46-A74C-1DCA21F3B14D}"/>
+                    <a16:creationId xmlns:a16="http://schemas.microsoft.com/office/drawing/2014/main" id="{E46EDEB0-077B-3945-B24E-FBD6B4F9E7C9}"/>
                   </a:ext>
                 </a:extLst>
               </p:cNvPr>
@@ -5042,10 +4790,10 @@
           </p:sp>
           <p:sp>
             <p:nvSpPr>
-              <p:cNvPr id="40" name="TextBox 39">
+              <p:cNvPr id="85" name="TextBox 84">
                 <a:extLst>
                   <a:ext uri="{FF2B5EF4-FFF2-40B4-BE49-F238E27FC236}">
-                    <a16:creationId xmlns:a16="http://schemas.microsoft.com/office/drawing/2014/main" id="{491E8F23-CE46-3948-856C-847CED195FE3}"/>
+                    <a16:creationId xmlns:a16="http://schemas.microsoft.com/office/drawing/2014/main" id="{AEBE498F-00FB-1144-A624-89E74BB0AA63}"/>
                   </a:ext>
                 </a:extLst>
               </p:cNvPr>
@@ -5078,10 +4826,10 @@
         </p:grpSp>
         <p:sp>
           <p:nvSpPr>
-            <p:cNvPr id="37" name="TextBox 36">
+            <p:cNvPr id="82" name="TextBox 81">
               <a:extLst>
                 <a:ext uri="{FF2B5EF4-FFF2-40B4-BE49-F238E27FC236}">
-                  <a16:creationId xmlns:a16="http://schemas.microsoft.com/office/drawing/2014/main" id="{9673BDFC-FA31-9F47-9C1A-B3C6D8873E7D}"/>
+                  <a16:creationId xmlns:a16="http://schemas.microsoft.com/office/drawing/2014/main" id="{F0402462-C325-A34D-85C2-3BF9BCF2BEF0}"/>
                 </a:ext>
               </a:extLst>
             </p:cNvPr>
@@ -5128,10 +4876,10 @@
       </p:grpSp>
       <p:grpSp>
         <p:nvGrpSpPr>
-          <p:cNvPr id="41" name="Group 40">
-            <a:extLst>
-              <a:ext uri="{FF2B5EF4-FFF2-40B4-BE49-F238E27FC236}">
-                <a16:creationId xmlns:a16="http://schemas.microsoft.com/office/drawing/2014/main" id="{D039492D-BBF6-E24C-9E8F-1A7CE4A32D63}"/>
+          <p:cNvPr id="86" name="Group 85">
+            <a:extLst>
+              <a:ext uri="{FF2B5EF4-FFF2-40B4-BE49-F238E27FC236}">
+                <a16:creationId xmlns:a16="http://schemas.microsoft.com/office/drawing/2014/main" id="{607BD562-C493-C444-BF47-879269BF027F}"/>
               </a:ext>
             </a:extLst>
           </p:cNvPr>
@@ -5140,18 +4888,71 @@
         </p:nvGrpSpPr>
         <p:grpSpPr>
           <a:xfrm>
-            <a:off x="6811404" y="2930281"/>
-            <a:ext cx="4595063" cy="937824"/>
-            <a:chOff x="7247498" y="3818672"/>
-            <a:chExt cx="4595063" cy="937824"/>
+            <a:off x="1512528" y="2936924"/>
+            <a:ext cx="4985348" cy="949086"/>
+            <a:chOff x="1703028" y="3434169"/>
+            <a:chExt cx="4985348" cy="949086"/>
           </a:xfrm>
         </p:grpSpPr>
+        <p:sp>
+          <p:nvSpPr>
+            <p:cNvPr id="87" name="TextBox 86">
+              <a:extLst>
+                <a:ext uri="{FF2B5EF4-FFF2-40B4-BE49-F238E27FC236}">
+                  <a16:creationId xmlns:a16="http://schemas.microsoft.com/office/drawing/2014/main" id="{EBA83702-93DD-4E47-B2AC-B9DB863EFED0}"/>
+                </a:ext>
+              </a:extLst>
+            </p:cNvPr>
+            <p:cNvSpPr txBox="1"/>
+            <p:nvPr/>
+          </p:nvSpPr>
+          <p:spPr>
+            <a:xfrm>
+              <a:off x="3513917" y="3560400"/>
+              <a:ext cx="3174459" cy="707886"/>
+            </a:xfrm>
+            <a:prstGeom prst="rect">
+              <a:avLst/>
+            </a:prstGeom>
+            <a:noFill/>
+          </p:spPr>
+          <p:txBody>
+            <a:bodyPr wrap="none" rtlCol="0">
+              <a:spAutoFit/>
+            </a:bodyPr>
+            <a:lstStyle/>
+            <a:p>
+              <a:r>
+                <a:rPr lang="en-US" sz="2000" dirty="0"/>
+                <a:t>Probability of collision = </a:t>
+              </a:r>
+              <a:r>
+                <a:rPr lang="en-US" sz="2000" b="1" dirty="0"/>
+                <a:t>20%</a:t>
+              </a:r>
+            </a:p>
+            <a:p>
+              <a:r>
+                <a:rPr lang="en-US" sz="2000" dirty="0"/>
+                <a:t>(Expected collision = </a:t>
+              </a:r>
+              <a:r>
+                <a:rPr lang="en-US" sz="2000" b="1" dirty="0"/>
+                <a:t>0.2</a:t>
+              </a:r>
+              <a:r>
+                <a:rPr lang="en-US" sz="2000" dirty="0"/>
+                <a:t>)</a:t>
+              </a:r>
+            </a:p>
+          </p:txBody>
+        </p:sp>
         <p:grpSp>
           <p:nvGrpSpPr>
-            <p:cNvPr id="42" name="Group 41">
+            <p:cNvPr id="88" name="Group 87">
               <a:extLst>
                 <a:ext uri="{FF2B5EF4-FFF2-40B4-BE49-F238E27FC236}">
-                  <a16:creationId xmlns:a16="http://schemas.microsoft.com/office/drawing/2014/main" id="{A55BF388-8DDD-B54D-9DAF-D0904E910325}"/>
+                  <a16:creationId xmlns:a16="http://schemas.microsoft.com/office/drawing/2014/main" id="{62AA7E39-A47A-BE41-9989-C0741C1576F0}"/>
                 </a:ext>
               </a:extLst>
             </p:cNvPr>
@@ -5160,18 +4961,18 @@
           </p:nvGrpSpPr>
           <p:grpSpPr>
             <a:xfrm>
-              <a:off x="7247498" y="3818672"/>
-              <a:ext cx="1711709" cy="937824"/>
-              <a:chOff x="2622917" y="3818672"/>
-              <a:chExt cx="1711709" cy="937824"/>
+              <a:off x="1703028" y="3434169"/>
+              <a:ext cx="1711709" cy="949086"/>
+              <a:chOff x="1703028" y="3434169"/>
+              <a:chExt cx="1711709" cy="949086"/>
             </a:xfrm>
           </p:grpSpPr>
           <p:pic>
             <p:nvPicPr>
-              <p:cNvPr id="44" name="Picture 43">
+              <p:cNvPr id="89" name="Picture 88">
                 <a:extLst>
                   <a:ext uri="{FF2B5EF4-FFF2-40B4-BE49-F238E27FC236}">
-                    <a16:creationId xmlns:a16="http://schemas.microsoft.com/office/drawing/2014/main" id="{2FE84C82-C9AB-F641-9FC8-579F98EAB536}"/>
+                    <a16:creationId xmlns:a16="http://schemas.microsoft.com/office/drawing/2014/main" id="{FB2ADD25-AB0F-E240-BB42-0602C464BC5E}"/>
                   </a:ext>
                 </a:extLst>
               </p:cNvPr>
@@ -5187,7 +4988,7 @@
             </p:blipFill>
             <p:spPr>
               <a:xfrm>
-                <a:off x="2622917" y="3875211"/>
+                <a:off x="1703028" y="3501970"/>
                 <a:ext cx="431549" cy="640080"/>
               </a:xfrm>
               <a:prstGeom prst="rect">
@@ -5197,10 +4998,10 @@
           </p:pic>
           <p:sp>
             <p:nvSpPr>
-              <p:cNvPr id="45" name="Right Arrow 44">
+              <p:cNvPr id="90" name="Right Arrow 89">
                 <a:extLst>
                   <a:ext uri="{FF2B5EF4-FFF2-40B4-BE49-F238E27FC236}">
-                    <a16:creationId xmlns:a16="http://schemas.microsoft.com/office/drawing/2014/main" id="{1E0EECED-1150-EB46-8BE5-61A86E334D41}"/>
+                    <a16:creationId xmlns:a16="http://schemas.microsoft.com/office/drawing/2014/main" id="{33280288-230A-B74D-A6E4-86DA4AD634E2}"/>
                   </a:ext>
                 </a:extLst>
               </p:cNvPr>
@@ -5209,7 +5010,283 @@
             </p:nvSpPr>
             <p:spPr>
               <a:xfrm>
-                <a:off x="3237346" y="4195251"/>
+                <a:off x="2317457" y="3822010"/>
+                <a:ext cx="1097280" cy="182880"/>
+              </a:xfrm>
+              <a:prstGeom prst="rightArrow">
+                <a:avLst/>
+              </a:prstGeom>
+              <a:solidFill>
+                <a:schemeClr val="accent1">
+                  <a:lumMod val="75000"/>
+                </a:schemeClr>
+              </a:solidFill>
+            </p:spPr>
+            <p:style>
+              <a:lnRef idx="2">
+                <a:schemeClr val="accent1">
+                  <a:shade val="50000"/>
+                </a:schemeClr>
+              </a:lnRef>
+              <a:fillRef idx="1">
+                <a:schemeClr val="accent1"/>
+              </a:fillRef>
+              <a:effectRef idx="0">
+                <a:schemeClr val="accent1"/>
+              </a:effectRef>
+              <a:fontRef idx="minor">
+                <a:schemeClr val="lt1"/>
+              </a:fontRef>
+            </p:style>
+            <p:txBody>
+              <a:bodyPr rtlCol="0" anchor="ctr"/>
+              <a:lstStyle/>
+              <a:p>
+                <a:pPr algn="ctr"/>
+                <a:endParaRPr lang="en-US"/>
+              </a:p>
+            </p:txBody>
+          </p:sp>
+          <p:sp>
+            <p:nvSpPr>
+              <p:cNvPr id="91" name="TextBox 90">
+                <a:extLst>
+                  <a:ext uri="{FF2B5EF4-FFF2-40B4-BE49-F238E27FC236}">
+                    <a16:creationId xmlns:a16="http://schemas.microsoft.com/office/drawing/2014/main" id="{8A4F5479-317F-3E42-93E9-F2992BAF9A04}"/>
+                  </a:ext>
+                </a:extLst>
+              </p:cNvPr>
+              <p:cNvSpPr txBox="1"/>
+              <p:nvPr/>
+            </p:nvSpPr>
+            <p:spPr>
+              <a:xfrm>
+                <a:off x="2421711" y="4013923"/>
+                <a:ext cx="888769" cy="369332"/>
+              </a:xfrm>
+              <a:prstGeom prst="rect">
+                <a:avLst/>
+              </a:prstGeom>
+              <a:noFill/>
+            </p:spPr>
+            <p:txBody>
+              <a:bodyPr wrap="none" rtlCol="0">
+                <a:spAutoFit/>
+              </a:bodyPr>
+              <a:lstStyle/>
+              <a:p>
+                <a:r>
+                  <a:rPr lang="en-US" dirty="0"/>
+                  <a:t>0.7 m/s</a:t>
+                </a:r>
+              </a:p>
+            </p:txBody>
+          </p:sp>
+          <p:sp>
+            <p:nvSpPr>
+              <p:cNvPr id="92" name="TextBox 91">
+                <a:extLst>
+                  <a:ext uri="{FF2B5EF4-FFF2-40B4-BE49-F238E27FC236}">
+                    <a16:creationId xmlns:a16="http://schemas.microsoft.com/office/drawing/2014/main" id="{C11E170A-54E7-6543-A1C5-B93EE3C28512}"/>
+                  </a:ext>
+                </a:extLst>
+              </p:cNvPr>
+              <p:cNvSpPr txBox="1"/>
+              <p:nvPr/>
+            </p:nvSpPr>
+            <p:spPr>
+              <a:xfrm>
+                <a:off x="2596477" y="3434169"/>
+                <a:ext cx="529312" cy="461665"/>
+              </a:xfrm>
+              <a:prstGeom prst="rect">
+                <a:avLst/>
+              </a:prstGeom>
+              <a:noFill/>
+            </p:spPr>
+            <p:txBody>
+              <a:bodyPr wrap="none" rtlCol="0">
+                <a:spAutoFit/>
+              </a:bodyPr>
+              <a:lstStyle/>
+              <a:p>
+                <a:r>
+                  <a:rPr lang="en-US" sz="2400" dirty="0"/>
+                  <a:t>SO</a:t>
+                </a:r>
+              </a:p>
+            </p:txBody>
+          </p:sp>
+        </p:grpSp>
+      </p:grpSp>
+      <p:sp>
+        <p:nvSpPr>
+          <p:cNvPr id="93" name="TextBox 92">
+            <a:extLst>
+              <a:ext uri="{FF2B5EF4-FFF2-40B4-BE49-F238E27FC236}">
+                <a16:creationId xmlns:a16="http://schemas.microsoft.com/office/drawing/2014/main" id="{B3C1D49B-D334-3D4C-B098-434F71B004A0}"/>
+              </a:ext>
+            </a:extLst>
+          </p:cNvPr>
+          <p:cNvSpPr txBox="1"/>
+          <p:nvPr/>
+        </p:nvSpPr>
+        <p:spPr>
+          <a:xfrm>
+            <a:off x="2381932" y="4554628"/>
+            <a:ext cx="577402" cy="461665"/>
+          </a:xfrm>
+          <a:prstGeom prst="rect">
+            <a:avLst/>
+          </a:prstGeom>
+          <a:noFill/>
+        </p:spPr>
+        <p:txBody>
+          <a:bodyPr wrap="none" rtlCol="0">
+            <a:spAutoFit/>
+          </a:bodyPr>
+          <a:lstStyle/>
+          <a:p>
+            <a:r>
+              <a:rPr lang="en-US" sz="2400" dirty="0"/>
+              <a:t>DO</a:t>
+            </a:r>
+          </a:p>
+        </p:txBody>
+      </p:sp>
+      <p:grpSp>
+        <p:nvGrpSpPr>
+          <p:cNvPr id="94" name="Group 93">
+            <a:extLst>
+              <a:ext uri="{FF2B5EF4-FFF2-40B4-BE49-F238E27FC236}">
+                <a16:creationId xmlns:a16="http://schemas.microsoft.com/office/drawing/2014/main" id="{37D76EC1-DB6D-9E40-BFF0-90BC2CC765B0}"/>
+              </a:ext>
+            </a:extLst>
+          </p:cNvPr>
+          <p:cNvGrpSpPr/>
+          <p:nvPr/>
+        </p:nvGrpSpPr>
+        <p:grpSpPr>
+          <a:xfrm>
+            <a:off x="6811404" y="2901490"/>
+            <a:ext cx="4595063" cy="969497"/>
+            <a:chOff x="7001904" y="3398735"/>
+            <a:chExt cx="4595063" cy="969497"/>
+          </a:xfrm>
+        </p:grpSpPr>
+        <p:sp>
+          <p:nvSpPr>
+            <p:cNvPr id="95" name="TextBox 94">
+              <a:extLst>
+                <a:ext uri="{FF2B5EF4-FFF2-40B4-BE49-F238E27FC236}">
+                  <a16:creationId xmlns:a16="http://schemas.microsoft.com/office/drawing/2014/main" id="{1C01E007-4CDB-4D4F-A953-9B26D9941BE3}"/>
+                </a:ext>
+              </a:extLst>
+            </p:cNvPr>
+            <p:cNvSpPr txBox="1"/>
+            <p:nvPr/>
+          </p:nvSpPr>
+          <p:spPr>
+            <a:xfrm>
+              <a:off x="8822553" y="3545377"/>
+              <a:ext cx="2774414" cy="707886"/>
+            </a:xfrm>
+            <a:prstGeom prst="rect">
+              <a:avLst/>
+            </a:prstGeom>
+            <a:noFill/>
+          </p:spPr>
+          <p:txBody>
+            <a:bodyPr wrap="none" rtlCol="0">
+              <a:spAutoFit/>
+            </a:bodyPr>
+            <a:lstStyle/>
+            <a:p>
+              <a:r>
+                <a:rPr lang="en-US" sz="2000" dirty="0"/>
+                <a:t>No collision at low speed</a:t>
+              </a:r>
+            </a:p>
+            <a:p>
+              <a:r>
+                <a:rPr lang="en-US" sz="2000" dirty="0"/>
+                <a:t>(Expected collision = </a:t>
+              </a:r>
+              <a:r>
+                <a:rPr lang="en-US" sz="2000" b="1" dirty="0"/>
+                <a:t>0.0</a:t>
+              </a:r>
+              <a:r>
+                <a:rPr lang="en-US" sz="2000" dirty="0"/>
+                <a:t>)</a:t>
+              </a:r>
+            </a:p>
+          </p:txBody>
+        </p:sp>
+        <p:grpSp>
+          <p:nvGrpSpPr>
+            <p:cNvPr id="96" name="Group 95">
+              <a:extLst>
+                <a:ext uri="{FF2B5EF4-FFF2-40B4-BE49-F238E27FC236}">
+                  <a16:creationId xmlns:a16="http://schemas.microsoft.com/office/drawing/2014/main" id="{B51A992A-6D30-3940-A153-C382585220C3}"/>
+                </a:ext>
+              </a:extLst>
+            </p:cNvPr>
+            <p:cNvGrpSpPr/>
+            <p:nvPr/>
+          </p:nvGrpSpPr>
+          <p:grpSpPr>
+            <a:xfrm>
+              <a:off x="7001904" y="3398735"/>
+              <a:ext cx="1711709" cy="969497"/>
+              <a:chOff x="7001904" y="3398735"/>
+              <a:chExt cx="1711709" cy="969497"/>
+            </a:xfrm>
+          </p:grpSpPr>
+          <p:pic>
+            <p:nvPicPr>
+              <p:cNvPr id="97" name="Picture 96">
+                <a:extLst>
+                  <a:ext uri="{FF2B5EF4-FFF2-40B4-BE49-F238E27FC236}">
+                    <a16:creationId xmlns:a16="http://schemas.microsoft.com/office/drawing/2014/main" id="{D1CA2BB9-7541-4742-94D0-FF7E634F99F0}"/>
+                  </a:ext>
+                </a:extLst>
+              </p:cNvPr>
+              <p:cNvPicPr>
+                <a:picLocks noChangeAspect="1"/>
+              </p:cNvPicPr>
+              <p:nvPr/>
+            </p:nvPicPr>
+            <p:blipFill rotWithShape="1">
+              <a:blip r:embed="rId2"/>
+              <a:srcRect l="26302" t="1905" r="24095"/>
+              <a:stretch/>
+            </p:blipFill>
+            <p:spPr>
+              <a:xfrm>
+                <a:off x="7001904" y="3486947"/>
+                <a:ext cx="431549" cy="640080"/>
+              </a:xfrm>
+              <a:prstGeom prst="rect">
+                <a:avLst/>
+              </a:prstGeom>
+            </p:spPr>
+          </p:pic>
+          <p:sp>
+            <p:nvSpPr>
+              <p:cNvPr id="98" name="Right Arrow 97">
+                <a:extLst>
+                  <a:ext uri="{FF2B5EF4-FFF2-40B4-BE49-F238E27FC236}">
+                    <a16:creationId xmlns:a16="http://schemas.microsoft.com/office/drawing/2014/main" id="{6A6BEFEE-C5F9-0949-9E96-0CA80B0736BD}"/>
+                  </a:ext>
+                </a:extLst>
+              </p:cNvPr>
+              <p:cNvSpPr/>
+              <p:nvPr/>
+            </p:nvSpPr>
+            <p:spPr>
+              <a:xfrm>
+                <a:off x="7616333" y="3806987"/>
                 <a:ext cx="1097280" cy="182880"/>
               </a:xfrm>
               <a:prstGeom prst="rightArrow">
@@ -5244,265 +5321,12 @@
               </a:p>
             </p:txBody>
           </p:sp>
-          <p:grpSp>
-            <p:nvGrpSpPr>
-              <p:cNvPr id="46" name="Group 45">
+          <p:sp>
+            <p:nvSpPr>
+              <p:cNvPr id="99" name="TextBox 98">
                 <a:extLst>
                   <a:ext uri="{FF2B5EF4-FFF2-40B4-BE49-F238E27FC236}">
-                    <a16:creationId xmlns:a16="http://schemas.microsoft.com/office/drawing/2014/main" id="{E9DA816D-C26F-5F48-B2ED-221BECEDE366}"/>
-                  </a:ext>
-                </a:extLst>
-              </p:cNvPr>
-              <p:cNvGrpSpPr/>
-              <p:nvPr/>
-            </p:nvGrpSpPr>
-            <p:grpSpPr>
-              <a:xfrm>
-                <a:off x="3600240" y="3818672"/>
-                <a:ext cx="365760" cy="295041"/>
-                <a:chOff x="7803055" y="2574583"/>
-                <a:chExt cx="365760" cy="295041"/>
-              </a:xfrm>
-            </p:grpSpPr>
-            <p:sp>
-              <p:nvSpPr>
-                <p:cNvPr id="48" name="Cube 47">
-                  <a:extLst>
-                    <a:ext uri="{FF2B5EF4-FFF2-40B4-BE49-F238E27FC236}">
-                      <a16:creationId xmlns:a16="http://schemas.microsoft.com/office/drawing/2014/main" id="{CE7C51EB-BA40-5A4E-B956-A4B29C9FD30C}"/>
-                    </a:ext>
-                  </a:extLst>
-                </p:cNvPr>
-                <p:cNvSpPr>
-                  <a:spLocks noChangeAspect="1"/>
-                </p:cNvSpPr>
-                <p:nvPr/>
-              </p:nvSpPr>
-              <p:spPr>
-                <a:xfrm>
-                  <a:off x="7803055" y="2686744"/>
-                  <a:ext cx="182880" cy="182880"/>
-                </a:xfrm>
-                <a:prstGeom prst="cube">
-                  <a:avLst/>
-                </a:prstGeom>
-                <a:solidFill>
-                  <a:schemeClr val="accent4">
-                    <a:lumMod val="75000"/>
-                  </a:schemeClr>
-                </a:solidFill>
-                <a:ln>
-                  <a:solidFill>
-                    <a:schemeClr val="tx1"/>
-                  </a:solidFill>
-                </a:ln>
-              </p:spPr>
-              <p:style>
-                <a:lnRef idx="2">
-                  <a:schemeClr val="accent1">
-                    <a:shade val="50000"/>
-                  </a:schemeClr>
-                </a:lnRef>
-                <a:fillRef idx="1">
-                  <a:schemeClr val="accent1"/>
-                </a:fillRef>
-                <a:effectRef idx="0">
-                  <a:schemeClr val="accent1"/>
-                </a:effectRef>
-                <a:fontRef idx="minor">
-                  <a:schemeClr val="lt1"/>
-                </a:fontRef>
-              </p:style>
-              <p:txBody>
-                <a:bodyPr rtlCol="0" anchor="ctr"/>
-                <a:lstStyle/>
-                <a:p>
-                  <a:pPr algn="ctr"/>
-                  <a:endParaRPr lang="en-US"/>
-                </a:p>
-              </p:txBody>
-            </p:sp>
-            <p:sp>
-              <p:nvSpPr>
-                <p:cNvPr id="49" name="Cube 48">
-                  <a:extLst>
-                    <a:ext uri="{FF2B5EF4-FFF2-40B4-BE49-F238E27FC236}">
-                      <a16:creationId xmlns:a16="http://schemas.microsoft.com/office/drawing/2014/main" id="{02184C87-24FA-9F45-8713-764AA47EE9C7}"/>
-                    </a:ext>
-                  </a:extLst>
-                </p:cNvPr>
-                <p:cNvSpPr>
-                  <a:spLocks noChangeAspect="1"/>
-                </p:cNvSpPr>
-                <p:nvPr/>
-              </p:nvSpPr>
-              <p:spPr>
-                <a:xfrm>
-                  <a:off x="7985935" y="2686744"/>
-                  <a:ext cx="182880" cy="182880"/>
-                </a:xfrm>
-                <a:prstGeom prst="cube">
-                  <a:avLst/>
-                </a:prstGeom>
-                <a:solidFill>
-                  <a:schemeClr val="accent4">
-                    <a:lumMod val="75000"/>
-                  </a:schemeClr>
-                </a:solidFill>
-                <a:ln>
-                  <a:solidFill>
-                    <a:schemeClr val="tx1"/>
-                  </a:solidFill>
-                </a:ln>
-              </p:spPr>
-              <p:style>
-                <a:lnRef idx="2">
-                  <a:schemeClr val="accent1">
-                    <a:shade val="50000"/>
-                  </a:schemeClr>
-                </a:lnRef>
-                <a:fillRef idx="1">
-                  <a:schemeClr val="accent1"/>
-                </a:fillRef>
-                <a:effectRef idx="0">
-                  <a:schemeClr val="accent1"/>
-                </a:effectRef>
-                <a:fontRef idx="minor">
-                  <a:schemeClr val="lt1"/>
-                </a:fontRef>
-              </p:style>
-              <p:txBody>
-                <a:bodyPr rtlCol="0" anchor="ctr"/>
-                <a:lstStyle/>
-                <a:p>
-                  <a:pPr algn="ctr"/>
-                  <a:endParaRPr lang="en-US"/>
-                </a:p>
-              </p:txBody>
-            </p:sp>
-            <p:sp>
-              <p:nvSpPr>
-                <p:cNvPr id="50" name="Cube 49">
-                  <a:extLst>
-                    <a:ext uri="{FF2B5EF4-FFF2-40B4-BE49-F238E27FC236}">
-                      <a16:creationId xmlns:a16="http://schemas.microsoft.com/office/drawing/2014/main" id="{EC1E23B7-1937-2D40-9428-240952310E47}"/>
-                    </a:ext>
-                  </a:extLst>
-                </p:cNvPr>
-                <p:cNvSpPr>
-                  <a:spLocks noChangeAspect="1"/>
-                </p:cNvSpPr>
-                <p:nvPr/>
-              </p:nvSpPr>
-              <p:spPr>
-                <a:xfrm>
-                  <a:off x="7803055" y="2574583"/>
-                  <a:ext cx="182880" cy="182880"/>
-                </a:xfrm>
-                <a:prstGeom prst="cube">
-                  <a:avLst/>
-                </a:prstGeom>
-                <a:solidFill>
-                  <a:schemeClr val="accent4">
-                    <a:lumMod val="75000"/>
-                  </a:schemeClr>
-                </a:solidFill>
-                <a:ln>
-                  <a:solidFill>
-                    <a:schemeClr val="tx1"/>
-                  </a:solidFill>
-                </a:ln>
-              </p:spPr>
-              <p:style>
-                <a:lnRef idx="2">
-                  <a:schemeClr val="accent1">
-                    <a:shade val="50000"/>
-                  </a:schemeClr>
-                </a:lnRef>
-                <a:fillRef idx="1">
-                  <a:schemeClr val="accent1"/>
-                </a:fillRef>
-                <a:effectRef idx="0">
-                  <a:schemeClr val="accent1"/>
-                </a:effectRef>
-                <a:fontRef idx="minor">
-                  <a:schemeClr val="lt1"/>
-                </a:fontRef>
-              </p:style>
-              <p:txBody>
-                <a:bodyPr rtlCol="0" anchor="ctr"/>
-                <a:lstStyle/>
-                <a:p>
-                  <a:pPr algn="ctr"/>
-                  <a:endParaRPr lang="en-US"/>
-                </a:p>
-              </p:txBody>
-            </p:sp>
-            <p:sp>
-              <p:nvSpPr>
-                <p:cNvPr id="51" name="Cube 50">
-                  <a:extLst>
-                    <a:ext uri="{FF2B5EF4-FFF2-40B4-BE49-F238E27FC236}">
-                      <a16:creationId xmlns:a16="http://schemas.microsoft.com/office/drawing/2014/main" id="{8CD79A8A-F98A-C44D-919E-0C0E40714BD1}"/>
-                    </a:ext>
-                  </a:extLst>
-                </p:cNvPr>
-                <p:cNvSpPr>
-                  <a:spLocks noChangeAspect="1"/>
-                </p:cNvSpPr>
-                <p:nvPr/>
-              </p:nvSpPr>
-              <p:spPr>
-                <a:xfrm>
-                  <a:off x="7985935" y="2574583"/>
-                  <a:ext cx="182880" cy="182880"/>
-                </a:xfrm>
-                <a:prstGeom prst="cube">
-                  <a:avLst/>
-                </a:prstGeom>
-                <a:solidFill>
-                  <a:schemeClr val="accent4">
-                    <a:lumMod val="75000"/>
-                  </a:schemeClr>
-                </a:solidFill>
-                <a:ln>
-                  <a:solidFill>
-                    <a:schemeClr val="tx1"/>
-                  </a:solidFill>
-                </a:ln>
-              </p:spPr>
-              <p:style>
-                <a:lnRef idx="2">
-                  <a:schemeClr val="accent1">
-                    <a:shade val="50000"/>
-                  </a:schemeClr>
-                </a:lnRef>
-                <a:fillRef idx="1">
-                  <a:schemeClr val="accent1"/>
-                </a:fillRef>
-                <a:effectRef idx="0">
-                  <a:schemeClr val="accent1"/>
-                </a:effectRef>
-                <a:fontRef idx="minor">
-                  <a:schemeClr val="lt1"/>
-                </a:fontRef>
-              </p:style>
-              <p:txBody>
-                <a:bodyPr rtlCol="0" anchor="ctr"/>
-                <a:lstStyle/>
-                <a:p>
-                  <a:pPr algn="ctr"/>
-                  <a:endParaRPr lang="en-US"/>
-                </a:p>
-              </p:txBody>
-            </p:sp>
-          </p:grpSp>
-          <p:sp>
-            <p:nvSpPr>
-              <p:cNvPr id="47" name="TextBox 46">
-                <a:extLst>
-                  <a:ext uri="{FF2B5EF4-FFF2-40B4-BE49-F238E27FC236}">
-                    <a16:creationId xmlns:a16="http://schemas.microsoft.com/office/drawing/2014/main" id="{21ABF3A0-43FC-0248-9C08-7BE96E71F043}"/>
+                    <a16:creationId xmlns:a16="http://schemas.microsoft.com/office/drawing/2014/main" id="{D30AB101-26F6-5943-9167-BCE55D0C79E2}"/>
                   </a:ext>
                 </a:extLst>
               </p:cNvPr>
@@ -5511,7 +5335,7 @@
             </p:nvSpPr>
             <p:spPr>
               <a:xfrm>
-                <a:off x="3280226" y="4387164"/>
+                <a:off x="7659213" y="3998900"/>
                 <a:ext cx="1005788" cy="369332"/>
               </a:xfrm>
               <a:prstGeom prst="rect">
@@ -5532,13 +5356,69 @@
               </a:p>
             </p:txBody>
           </p:sp>
+          <p:sp>
+            <p:nvSpPr>
+              <p:cNvPr id="100" name="TextBox 99">
+                <a:extLst>
+                  <a:ext uri="{FF2B5EF4-FFF2-40B4-BE49-F238E27FC236}">
+                    <a16:creationId xmlns:a16="http://schemas.microsoft.com/office/drawing/2014/main" id="{1BF85D17-60AB-D243-B183-924342E8A57B}"/>
+                  </a:ext>
+                </a:extLst>
+              </p:cNvPr>
+              <p:cNvSpPr txBox="1"/>
+              <p:nvPr/>
+            </p:nvSpPr>
+            <p:spPr>
+              <a:xfrm>
+                <a:off x="7897451" y="3398735"/>
+                <a:ext cx="529312" cy="461665"/>
+              </a:xfrm>
+              <a:prstGeom prst="rect">
+                <a:avLst/>
+              </a:prstGeom>
+              <a:noFill/>
+            </p:spPr>
+            <p:txBody>
+              <a:bodyPr wrap="none" rtlCol="0">
+                <a:spAutoFit/>
+              </a:bodyPr>
+              <a:lstStyle/>
+              <a:p>
+                <a:r>
+                  <a:rPr lang="en-US" sz="2400" dirty="0"/>
+                  <a:t>SO</a:t>
+                </a:r>
+              </a:p>
+            </p:txBody>
+          </p:sp>
         </p:grpSp>
+      </p:grpSp>
+      <p:grpSp>
+        <p:nvGrpSpPr>
+          <p:cNvPr id="101" name="Group 100">
+            <a:extLst>
+              <a:ext uri="{FF2B5EF4-FFF2-40B4-BE49-F238E27FC236}">
+                <a16:creationId xmlns:a16="http://schemas.microsoft.com/office/drawing/2014/main" id="{6D25587D-2CD2-6044-A269-2333A8E1F797}"/>
+              </a:ext>
+            </a:extLst>
+          </p:cNvPr>
+          <p:cNvGrpSpPr/>
+          <p:nvPr/>
+        </p:nvGrpSpPr>
+        <p:grpSpPr>
+          <a:xfrm>
+            <a:off x="6811404" y="4554627"/>
+            <a:ext cx="4595063" cy="959365"/>
+            <a:chOff x="7001904" y="5051872"/>
+            <a:chExt cx="4595063" cy="959365"/>
+          </a:xfrm>
+        </p:grpSpPr>
         <p:sp>
           <p:nvSpPr>
-            <p:cNvPr id="43" name="TextBox 42">
+            <p:cNvPr id="102" name="TextBox 101">
               <a:extLst>
                 <a:ext uri="{FF2B5EF4-FFF2-40B4-BE49-F238E27FC236}">
-                  <a16:creationId xmlns:a16="http://schemas.microsoft.com/office/drawing/2014/main" id="{728E5BFA-8F49-D043-A31A-CE9802F09C52}"/>
+                  <a16:creationId xmlns:a16="http://schemas.microsoft.com/office/drawing/2014/main" id="{EC7738A0-0452-0C44-8EDE-C487D48CE2DF}"/>
                 </a:ext>
               </a:extLst>
             </p:cNvPr>
@@ -5547,7 +5427,7 @@
           </p:nvSpPr>
           <p:spPr>
             <a:xfrm>
-              <a:off x="9068147" y="3933641"/>
+              <a:off x="8822553" y="5206332"/>
               <a:ext cx="2774414" cy="707886"/>
             </a:xfrm>
             <a:prstGeom prst="rect">
@@ -5582,33 +5462,12 @@
             </a:p>
           </p:txBody>
         </p:sp>
-      </p:grpSp>
-      <p:grpSp>
-        <p:nvGrpSpPr>
-          <p:cNvPr id="52" name="Group 51">
-            <a:extLst>
-              <a:ext uri="{FF2B5EF4-FFF2-40B4-BE49-F238E27FC236}">
-                <a16:creationId xmlns:a16="http://schemas.microsoft.com/office/drawing/2014/main" id="{8F9CA231-3122-3943-865A-893BA99776D6}"/>
-              </a:ext>
-            </a:extLst>
-          </p:cNvPr>
-          <p:cNvGrpSpPr/>
-          <p:nvPr/>
-        </p:nvGrpSpPr>
-        <p:grpSpPr>
-          <a:xfrm>
-            <a:off x="6811404" y="4609186"/>
-            <a:ext cx="4595063" cy="901924"/>
-            <a:chOff x="7247498" y="5458831"/>
-            <a:chExt cx="4595063" cy="901924"/>
-          </a:xfrm>
-        </p:grpSpPr>
         <p:grpSp>
           <p:nvGrpSpPr>
-            <p:cNvPr id="53" name="Group 52">
+            <p:cNvPr id="103" name="Group 102">
               <a:extLst>
                 <a:ext uri="{FF2B5EF4-FFF2-40B4-BE49-F238E27FC236}">
-                  <a16:creationId xmlns:a16="http://schemas.microsoft.com/office/drawing/2014/main" id="{70512883-47F2-0C43-9823-DB8E5A445EB0}"/>
+                  <a16:creationId xmlns:a16="http://schemas.microsoft.com/office/drawing/2014/main" id="{649090B4-2347-F743-AA30-31FF0D1E0A18}"/>
                 </a:ext>
               </a:extLst>
             </p:cNvPr>
@@ -5617,18 +5476,18 @@
           </p:nvGrpSpPr>
           <p:grpSpPr>
             <a:xfrm>
-              <a:off x="7247498" y="5458831"/>
-              <a:ext cx="1711709" cy="901924"/>
-              <a:chOff x="2622917" y="5458831"/>
-              <a:chExt cx="1711709" cy="901924"/>
+              <a:off x="7001904" y="5051872"/>
+              <a:ext cx="1711709" cy="959365"/>
+              <a:chOff x="7001904" y="5051872"/>
+              <a:chExt cx="1711709" cy="959365"/>
             </a:xfrm>
           </p:grpSpPr>
           <p:pic>
             <p:nvPicPr>
-              <p:cNvPr id="55" name="Picture 54">
+              <p:cNvPr id="104" name="Picture 103">
                 <a:extLst>
                   <a:ext uri="{FF2B5EF4-FFF2-40B4-BE49-F238E27FC236}">
-                    <a16:creationId xmlns:a16="http://schemas.microsoft.com/office/drawing/2014/main" id="{359BDAF6-FBCC-BB48-8790-7A12233CF24A}"/>
+                    <a16:creationId xmlns:a16="http://schemas.microsoft.com/office/drawing/2014/main" id="{F4BE42D6-6428-CD47-8EE4-44999F26375A}"/>
                   </a:ext>
                 </a:extLst>
               </p:cNvPr>
@@ -5644,7 +5503,7 @@
             </p:blipFill>
             <p:spPr>
               <a:xfrm>
-                <a:off x="2622917" y="5488503"/>
+                <a:off x="7001904" y="5138985"/>
                 <a:ext cx="431549" cy="640080"/>
               </a:xfrm>
               <a:prstGeom prst="rect">
@@ -5654,10 +5513,10 @@
           </p:pic>
           <p:sp>
             <p:nvSpPr>
-              <p:cNvPr id="56" name="Right Arrow 55">
+              <p:cNvPr id="105" name="Right Arrow 104">
                 <a:extLst>
                   <a:ext uri="{FF2B5EF4-FFF2-40B4-BE49-F238E27FC236}">
-                    <a16:creationId xmlns:a16="http://schemas.microsoft.com/office/drawing/2014/main" id="{50988ED2-A4B8-EF40-BD78-1C9BC8FE7CC8}"/>
+                    <a16:creationId xmlns:a16="http://schemas.microsoft.com/office/drawing/2014/main" id="{3D5EE285-31B7-604D-9C99-79D7FA7003EC}"/>
                   </a:ext>
                 </a:extLst>
               </p:cNvPr>
@@ -5666,7 +5525,7 @@
             </p:nvSpPr>
             <p:spPr>
               <a:xfrm>
-                <a:off x="3237346" y="5808543"/>
+                <a:off x="7616333" y="5459025"/>
                 <a:ext cx="1097280" cy="182880"/>
               </a:xfrm>
               <a:prstGeom prst="rightArrow">
@@ -5701,497 +5560,12 @@
               </a:p>
             </p:txBody>
           </p:sp>
-          <p:grpSp>
-            <p:nvGrpSpPr>
-              <p:cNvPr id="57" name="Group 56">
+          <p:sp>
+            <p:nvSpPr>
+              <p:cNvPr id="106" name="TextBox 105">
                 <a:extLst>
                   <a:ext uri="{FF2B5EF4-FFF2-40B4-BE49-F238E27FC236}">
-                    <a16:creationId xmlns:a16="http://schemas.microsoft.com/office/drawing/2014/main" id="{C3623A47-394B-1B4C-8472-35D67A81E79F}"/>
-                  </a:ext>
-                </a:extLst>
-              </p:cNvPr>
-              <p:cNvGrpSpPr/>
-              <p:nvPr/>
-            </p:nvGrpSpPr>
-            <p:grpSpPr>
-              <a:xfrm>
-                <a:off x="3420226" y="5458831"/>
-                <a:ext cx="731520" cy="295041"/>
-                <a:chOff x="9699621" y="3380438"/>
-                <a:chExt cx="731520" cy="295041"/>
-              </a:xfrm>
-            </p:grpSpPr>
-            <p:sp>
-              <p:nvSpPr>
-                <p:cNvPr id="59" name="Cube 58">
-                  <a:extLst>
-                    <a:ext uri="{FF2B5EF4-FFF2-40B4-BE49-F238E27FC236}">
-                      <a16:creationId xmlns:a16="http://schemas.microsoft.com/office/drawing/2014/main" id="{59FF3934-F5F7-774B-9803-59041B6EC220}"/>
-                    </a:ext>
-                  </a:extLst>
-                </p:cNvPr>
-                <p:cNvSpPr>
-                  <a:spLocks noChangeAspect="1"/>
-                </p:cNvSpPr>
-                <p:nvPr/>
-              </p:nvSpPr>
-              <p:spPr>
-                <a:xfrm>
-                  <a:off x="9882501" y="3492599"/>
-                  <a:ext cx="182880" cy="182880"/>
-                </a:xfrm>
-                <a:prstGeom prst="cube">
-                  <a:avLst/>
-                </a:prstGeom>
-                <a:solidFill>
-                  <a:schemeClr val="accent4">
-                    <a:lumMod val="75000"/>
-                  </a:schemeClr>
-                </a:solidFill>
-                <a:ln>
-                  <a:solidFill>
-                    <a:schemeClr val="tx1"/>
-                  </a:solidFill>
-                </a:ln>
-              </p:spPr>
-              <p:style>
-                <a:lnRef idx="2">
-                  <a:schemeClr val="accent1">
-                    <a:shade val="50000"/>
-                  </a:schemeClr>
-                </a:lnRef>
-                <a:fillRef idx="1">
-                  <a:schemeClr val="accent1"/>
-                </a:fillRef>
-                <a:effectRef idx="0">
-                  <a:schemeClr val="accent1"/>
-                </a:effectRef>
-                <a:fontRef idx="minor">
-                  <a:schemeClr val="lt1"/>
-                </a:fontRef>
-              </p:style>
-              <p:txBody>
-                <a:bodyPr rtlCol="0" anchor="ctr"/>
-                <a:lstStyle/>
-                <a:p>
-                  <a:pPr algn="ctr"/>
-                  <a:endParaRPr lang="en-US"/>
-                </a:p>
-              </p:txBody>
-            </p:sp>
-            <p:sp>
-              <p:nvSpPr>
-                <p:cNvPr id="60" name="Cube 59">
-                  <a:extLst>
-                    <a:ext uri="{FF2B5EF4-FFF2-40B4-BE49-F238E27FC236}">
-                      <a16:creationId xmlns:a16="http://schemas.microsoft.com/office/drawing/2014/main" id="{FB94C1A7-6E06-BD49-83A6-E4C2906B52DA}"/>
-                    </a:ext>
-                  </a:extLst>
-                </p:cNvPr>
-                <p:cNvSpPr>
-                  <a:spLocks noChangeAspect="1"/>
-                </p:cNvSpPr>
-                <p:nvPr/>
-              </p:nvSpPr>
-              <p:spPr>
-                <a:xfrm>
-                  <a:off x="10065381" y="3492599"/>
-                  <a:ext cx="182880" cy="182880"/>
-                </a:xfrm>
-                <a:prstGeom prst="cube">
-                  <a:avLst/>
-                </a:prstGeom>
-                <a:solidFill>
-                  <a:schemeClr val="accent4">
-                    <a:lumMod val="75000"/>
-                  </a:schemeClr>
-                </a:solidFill>
-                <a:ln>
-                  <a:solidFill>
-                    <a:schemeClr val="tx1"/>
-                  </a:solidFill>
-                </a:ln>
-              </p:spPr>
-              <p:style>
-                <a:lnRef idx="2">
-                  <a:schemeClr val="accent1">
-                    <a:shade val="50000"/>
-                  </a:schemeClr>
-                </a:lnRef>
-                <a:fillRef idx="1">
-                  <a:schemeClr val="accent1"/>
-                </a:fillRef>
-                <a:effectRef idx="0">
-                  <a:schemeClr val="accent1"/>
-                </a:effectRef>
-                <a:fontRef idx="minor">
-                  <a:schemeClr val="lt1"/>
-                </a:fontRef>
-              </p:style>
-              <p:txBody>
-                <a:bodyPr rtlCol="0" anchor="ctr"/>
-                <a:lstStyle/>
-                <a:p>
-                  <a:pPr algn="ctr"/>
-                  <a:endParaRPr lang="en-US"/>
-                </a:p>
-              </p:txBody>
-            </p:sp>
-            <p:sp>
-              <p:nvSpPr>
-                <p:cNvPr id="61" name="Cube 60">
-                  <a:extLst>
-                    <a:ext uri="{FF2B5EF4-FFF2-40B4-BE49-F238E27FC236}">
-                      <a16:creationId xmlns:a16="http://schemas.microsoft.com/office/drawing/2014/main" id="{A3F9516B-DA4B-2949-9794-47E63A2C3F9B}"/>
-                    </a:ext>
-                  </a:extLst>
-                </p:cNvPr>
-                <p:cNvSpPr>
-                  <a:spLocks noChangeAspect="1"/>
-                </p:cNvSpPr>
-                <p:nvPr/>
-              </p:nvSpPr>
-              <p:spPr>
-                <a:xfrm>
-                  <a:off x="9882501" y="3380438"/>
-                  <a:ext cx="182880" cy="182880"/>
-                </a:xfrm>
-                <a:prstGeom prst="cube">
-                  <a:avLst/>
-                </a:prstGeom>
-                <a:solidFill>
-                  <a:schemeClr val="accent4">
-                    <a:lumMod val="75000"/>
-                  </a:schemeClr>
-                </a:solidFill>
-                <a:ln>
-                  <a:solidFill>
-                    <a:schemeClr val="tx1"/>
-                  </a:solidFill>
-                </a:ln>
-              </p:spPr>
-              <p:style>
-                <a:lnRef idx="2">
-                  <a:schemeClr val="accent1">
-                    <a:shade val="50000"/>
-                  </a:schemeClr>
-                </a:lnRef>
-                <a:fillRef idx="1">
-                  <a:schemeClr val="accent1"/>
-                </a:fillRef>
-                <a:effectRef idx="0">
-                  <a:schemeClr val="accent1"/>
-                </a:effectRef>
-                <a:fontRef idx="minor">
-                  <a:schemeClr val="lt1"/>
-                </a:fontRef>
-              </p:style>
-              <p:txBody>
-                <a:bodyPr rtlCol="0" anchor="ctr"/>
-                <a:lstStyle/>
-                <a:p>
-                  <a:pPr algn="ctr"/>
-                  <a:endParaRPr lang="en-US"/>
-                </a:p>
-              </p:txBody>
-            </p:sp>
-            <p:sp>
-              <p:nvSpPr>
-                <p:cNvPr id="62" name="Cube 61">
-                  <a:extLst>
-                    <a:ext uri="{FF2B5EF4-FFF2-40B4-BE49-F238E27FC236}">
-                      <a16:creationId xmlns:a16="http://schemas.microsoft.com/office/drawing/2014/main" id="{75C69394-81C4-9946-84F8-FD357C794FB1}"/>
-                    </a:ext>
-                  </a:extLst>
-                </p:cNvPr>
-                <p:cNvSpPr>
-                  <a:spLocks noChangeAspect="1"/>
-                </p:cNvSpPr>
-                <p:nvPr/>
-              </p:nvSpPr>
-              <p:spPr>
-                <a:xfrm>
-                  <a:off x="10065381" y="3380438"/>
-                  <a:ext cx="182880" cy="182880"/>
-                </a:xfrm>
-                <a:prstGeom prst="cube">
-                  <a:avLst/>
-                </a:prstGeom>
-                <a:solidFill>
-                  <a:schemeClr val="accent4">
-                    <a:lumMod val="75000"/>
-                  </a:schemeClr>
-                </a:solidFill>
-                <a:ln>
-                  <a:solidFill>
-                    <a:schemeClr val="tx1"/>
-                  </a:solidFill>
-                </a:ln>
-              </p:spPr>
-              <p:style>
-                <a:lnRef idx="2">
-                  <a:schemeClr val="accent1">
-                    <a:shade val="50000"/>
-                  </a:schemeClr>
-                </a:lnRef>
-                <a:fillRef idx="1">
-                  <a:schemeClr val="accent1"/>
-                </a:fillRef>
-                <a:effectRef idx="0">
-                  <a:schemeClr val="accent1"/>
-                </a:effectRef>
-                <a:fontRef idx="minor">
-                  <a:schemeClr val="lt1"/>
-                </a:fontRef>
-              </p:style>
-              <p:txBody>
-                <a:bodyPr rtlCol="0" anchor="ctr"/>
-                <a:lstStyle/>
-                <a:p>
-                  <a:pPr algn="ctr"/>
-                  <a:endParaRPr lang="en-US"/>
-                </a:p>
-              </p:txBody>
-            </p:sp>
-            <p:sp>
-              <p:nvSpPr>
-                <p:cNvPr id="63" name="Cube 62">
-                  <a:extLst>
-                    <a:ext uri="{FF2B5EF4-FFF2-40B4-BE49-F238E27FC236}">
-                      <a16:creationId xmlns:a16="http://schemas.microsoft.com/office/drawing/2014/main" id="{C9985A1C-8C93-7F4D-BA89-89D506C2E78B}"/>
-                    </a:ext>
-                  </a:extLst>
-                </p:cNvPr>
-                <p:cNvSpPr>
-                  <a:spLocks noChangeAspect="1"/>
-                </p:cNvSpPr>
-                <p:nvPr/>
-              </p:nvSpPr>
-              <p:spPr>
-                <a:xfrm>
-                  <a:off x="10248261" y="3492599"/>
-                  <a:ext cx="182880" cy="182880"/>
-                </a:xfrm>
-                <a:prstGeom prst="cube">
-                  <a:avLst/>
-                </a:prstGeom>
-                <a:solidFill>
-                  <a:schemeClr val="accent4">
-                    <a:lumMod val="75000"/>
-                  </a:schemeClr>
-                </a:solidFill>
-                <a:ln>
-                  <a:solidFill>
-                    <a:schemeClr val="tx1"/>
-                  </a:solidFill>
-                </a:ln>
-              </p:spPr>
-              <p:style>
-                <a:lnRef idx="2">
-                  <a:schemeClr val="accent1">
-                    <a:shade val="50000"/>
-                  </a:schemeClr>
-                </a:lnRef>
-                <a:fillRef idx="1">
-                  <a:schemeClr val="accent1"/>
-                </a:fillRef>
-                <a:effectRef idx="0">
-                  <a:schemeClr val="accent1"/>
-                </a:effectRef>
-                <a:fontRef idx="minor">
-                  <a:schemeClr val="lt1"/>
-                </a:fontRef>
-              </p:style>
-              <p:txBody>
-                <a:bodyPr rtlCol="0" anchor="ctr"/>
-                <a:lstStyle/>
-                <a:p>
-                  <a:pPr algn="ctr"/>
-                  <a:endParaRPr lang="en-US"/>
-                </a:p>
-              </p:txBody>
-            </p:sp>
-            <p:sp>
-              <p:nvSpPr>
-                <p:cNvPr id="64" name="Cube 63">
-                  <a:extLst>
-                    <a:ext uri="{FF2B5EF4-FFF2-40B4-BE49-F238E27FC236}">
-                      <a16:creationId xmlns:a16="http://schemas.microsoft.com/office/drawing/2014/main" id="{F6249AA3-A871-E041-BCA8-298B3B93AD1E}"/>
-                    </a:ext>
-                  </a:extLst>
-                </p:cNvPr>
-                <p:cNvSpPr>
-                  <a:spLocks noChangeAspect="1"/>
-                </p:cNvSpPr>
-                <p:nvPr/>
-              </p:nvSpPr>
-              <p:spPr>
-                <a:xfrm>
-                  <a:off x="10248261" y="3380438"/>
-                  <a:ext cx="182880" cy="182880"/>
-                </a:xfrm>
-                <a:prstGeom prst="cube">
-                  <a:avLst/>
-                </a:prstGeom>
-                <a:solidFill>
-                  <a:schemeClr val="accent4">
-                    <a:lumMod val="75000"/>
-                  </a:schemeClr>
-                </a:solidFill>
-                <a:ln>
-                  <a:solidFill>
-                    <a:schemeClr val="tx1"/>
-                  </a:solidFill>
-                </a:ln>
-              </p:spPr>
-              <p:style>
-                <a:lnRef idx="2">
-                  <a:schemeClr val="accent1">
-                    <a:shade val="50000"/>
-                  </a:schemeClr>
-                </a:lnRef>
-                <a:fillRef idx="1">
-                  <a:schemeClr val="accent1"/>
-                </a:fillRef>
-                <a:effectRef idx="0">
-                  <a:schemeClr val="accent1"/>
-                </a:effectRef>
-                <a:fontRef idx="minor">
-                  <a:schemeClr val="lt1"/>
-                </a:fontRef>
-              </p:style>
-              <p:txBody>
-                <a:bodyPr rtlCol="0" anchor="ctr"/>
-                <a:lstStyle/>
-                <a:p>
-                  <a:pPr algn="ctr"/>
-                  <a:endParaRPr lang="en-US"/>
-                </a:p>
-              </p:txBody>
-            </p:sp>
-            <p:sp>
-              <p:nvSpPr>
-                <p:cNvPr id="65" name="Cube 64">
-                  <a:extLst>
-                    <a:ext uri="{FF2B5EF4-FFF2-40B4-BE49-F238E27FC236}">
-                      <a16:creationId xmlns:a16="http://schemas.microsoft.com/office/drawing/2014/main" id="{BF54DD82-71F6-064F-8136-58FC5ABEE3E6}"/>
-                    </a:ext>
-                  </a:extLst>
-                </p:cNvPr>
-                <p:cNvSpPr>
-                  <a:spLocks noChangeAspect="1"/>
-                </p:cNvSpPr>
-                <p:nvPr/>
-              </p:nvSpPr>
-              <p:spPr>
-                <a:xfrm>
-                  <a:off x="9699621" y="3492599"/>
-                  <a:ext cx="182880" cy="182880"/>
-                </a:xfrm>
-                <a:prstGeom prst="cube">
-                  <a:avLst/>
-                </a:prstGeom>
-                <a:solidFill>
-                  <a:schemeClr val="accent4">
-                    <a:lumMod val="75000"/>
-                  </a:schemeClr>
-                </a:solidFill>
-                <a:ln>
-                  <a:solidFill>
-                    <a:schemeClr val="tx1"/>
-                  </a:solidFill>
-                </a:ln>
-              </p:spPr>
-              <p:style>
-                <a:lnRef idx="2">
-                  <a:schemeClr val="accent1">
-                    <a:shade val="50000"/>
-                  </a:schemeClr>
-                </a:lnRef>
-                <a:fillRef idx="1">
-                  <a:schemeClr val="accent1"/>
-                </a:fillRef>
-                <a:effectRef idx="0">
-                  <a:schemeClr val="accent1"/>
-                </a:effectRef>
-                <a:fontRef idx="minor">
-                  <a:schemeClr val="lt1"/>
-                </a:fontRef>
-              </p:style>
-              <p:txBody>
-                <a:bodyPr rtlCol="0" anchor="ctr"/>
-                <a:lstStyle/>
-                <a:p>
-                  <a:pPr algn="ctr"/>
-                  <a:endParaRPr lang="en-US"/>
-                </a:p>
-              </p:txBody>
-            </p:sp>
-            <p:sp>
-              <p:nvSpPr>
-                <p:cNvPr id="66" name="Cube 65">
-                  <a:extLst>
-                    <a:ext uri="{FF2B5EF4-FFF2-40B4-BE49-F238E27FC236}">
-                      <a16:creationId xmlns:a16="http://schemas.microsoft.com/office/drawing/2014/main" id="{49DBC92B-CA59-B84D-9E22-600CC66A621E}"/>
-                    </a:ext>
-                  </a:extLst>
-                </p:cNvPr>
-                <p:cNvSpPr>
-                  <a:spLocks noChangeAspect="1"/>
-                </p:cNvSpPr>
-                <p:nvPr/>
-              </p:nvSpPr>
-              <p:spPr>
-                <a:xfrm>
-                  <a:off x="9699621" y="3380438"/>
-                  <a:ext cx="182880" cy="182880"/>
-                </a:xfrm>
-                <a:prstGeom prst="cube">
-                  <a:avLst/>
-                </a:prstGeom>
-                <a:solidFill>
-                  <a:schemeClr val="accent4">
-                    <a:lumMod val="75000"/>
-                  </a:schemeClr>
-                </a:solidFill>
-                <a:ln>
-                  <a:solidFill>
-                    <a:schemeClr val="tx1"/>
-                  </a:solidFill>
-                </a:ln>
-              </p:spPr>
-              <p:style>
-                <a:lnRef idx="2">
-                  <a:schemeClr val="accent1">
-                    <a:shade val="50000"/>
-                  </a:schemeClr>
-                </a:lnRef>
-                <a:fillRef idx="1">
-                  <a:schemeClr val="accent1"/>
-                </a:fillRef>
-                <a:effectRef idx="0">
-                  <a:schemeClr val="accent1"/>
-                </a:effectRef>
-                <a:fontRef idx="minor">
-                  <a:schemeClr val="lt1"/>
-                </a:fontRef>
-              </p:style>
-              <p:txBody>
-                <a:bodyPr rtlCol="0" anchor="ctr"/>
-                <a:lstStyle/>
-                <a:p>
-                  <a:pPr algn="ctr"/>
-                  <a:endParaRPr lang="en-US"/>
-                </a:p>
-              </p:txBody>
-            </p:sp>
-          </p:grpSp>
-          <p:sp>
-            <p:nvSpPr>
-              <p:cNvPr id="58" name="TextBox 57">
-                <a:extLst>
-                  <a:ext uri="{FF2B5EF4-FFF2-40B4-BE49-F238E27FC236}">
-                    <a16:creationId xmlns:a16="http://schemas.microsoft.com/office/drawing/2014/main" id="{501A3F29-3D9A-6947-AD5F-0C953626908A}"/>
+                    <a16:creationId xmlns:a16="http://schemas.microsoft.com/office/drawing/2014/main" id="{C75EF7BD-EEF9-1B49-9BC1-2D5D144C0B93}"/>
                   </a:ext>
                 </a:extLst>
               </p:cNvPr>
@@ -6200,7 +5574,7 @@
             </p:nvSpPr>
             <p:spPr>
               <a:xfrm>
-                <a:off x="3280226" y="5991423"/>
+                <a:off x="7659213" y="5641905"/>
                 <a:ext cx="1005788" cy="369332"/>
               </a:xfrm>
               <a:prstGeom prst="rect">
@@ -6221,61 +5595,47 @@
               </a:p>
             </p:txBody>
           </p:sp>
+          <p:sp>
+            <p:nvSpPr>
+              <p:cNvPr id="107" name="TextBox 106">
+                <a:extLst>
+                  <a:ext uri="{FF2B5EF4-FFF2-40B4-BE49-F238E27FC236}">
+                    <a16:creationId xmlns:a16="http://schemas.microsoft.com/office/drawing/2014/main" id="{B50C4E6C-268C-5E42-B8D7-7BD318718D2D}"/>
+                  </a:ext>
+                </a:extLst>
+              </p:cNvPr>
+              <p:cNvSpPr txBox="1"/>
+              <p:nvPr/>
+            </p:nvSpPr>
+            <p:spPr>
+              <a:xfrm>
+                <a:off x="7873406" y="5051872"/>
+                <a:ext cx="577402" cy="461665"/>
+              </a:xfrm>
+              <a:prstGeom prst="rect">
+                <a:avLst/>
+              </a:prstGeom>
+              <a:noFill/>
+            </p:spPr>
+            <p:txBody>
+              <a:bodyPr wrap="none" rtlCol="0">
+                <a:spAutoFit/>
+              </a:bodyPr>
+              <a:lstStyle/>
+              <a:p>
+                <a:r>
+                  <a:rPr lang="en-US" sz="2400" dirty="0"/>
+                  <a:t>DO</a:t>
+                </a:r>
+              </a:p>
+            </p:txBody>
+          </p:sp>
         </p:grpSp>
-        <p:sp>
-          <p:nvSpPr>
-            <p:cNvPr id="54" name="TextBox 53">
-              <a:extLst>
-                <a:ext uri="{FF2B5EF4-FFF2-40B4-BE49-F238E27FC236}">
-                  <a16:creationId xmlns:a16="http://schemas.microsoft.com/office/drawing/2014/main" id="{DA159F71-2E65-A048-81C2-1D9707FBC708}"/>
-                </a:ext>
-              </a:extLst>
-            </p:cNvPr>
-            <p:cNvSpPr txBox="1"/>
-            <p:nvPr/>
-          </p:nvSpPr>
-          <p:spPr>
-            <a:xfrm>
-              <a:off x="9068147" y="5555850"/>
-              <a:ext cx="2774414" cy="707886"/>
-            </a:xfrm>
-            <a:prstGeom prst="rect">
-              <a:avLst/>
-            </a:prstGeom>
-            <a:noFill/>
-          </p:spPr>
-          <p:txBody>
-            <a:bodyPr wrap="none" rtlCol="0">
-              <a:spAutoFit/>
-            </a:bodyPr>
-            <a:lstStyle/>
-            <a:p>
-              <a:r>
-                <a:rPr lang="en-US" sz="2000" dirty="0"/>
-                <a:t>No collision at low speed</a:t>
-              </a:r>
-            </a:p>
-            <a:p>
-              <a:r>
-                <a:rPr lang="en-US" sz="2000" dirty="0"/>
-                <a:t>(Expected collision = </a:t>
-              </a:r>
-              <a:r>
-                <a:rPr lang="en-US" sz="2000" b="1" dirty="0"/>
-                <a:t>0.0</a:t>
-              </a:r>
-              <a:r>
-                <a:rPr lang="en-US" sz="2000" dirty="0"/>
-                <a:t>)</a:t>
-              </a:r>
-            </a:p>
-          </p:txBody>
-        </p:sp>
       </p:grpSp>
     </p:spTree>
     <p:extLst>
       <p:ext uri="{BB962C8B-B14F-4D97-AF65-F5344CB8AC3E}">
-        <p14:creationId xmlns:p14="http://schemas.microsoft.com/office/powerpoint/2010/main" val="2844686609"/>
+        <p14:creationId xmlns:p14="http://schemas.microsoft.com/office/powerpoint/2010/main" val="1772775755"/>
       </p:ext>
     </p:extLst>
   </p:cSld>

--- a/XPlanningEvaluation/data/instruction/collision-table.pptx
+++ b/XPlanningEvaluation/data/instruction/collision-table.pptx
@@ -259,7 +259,7 @@
           <a:p>
             <a:fld id="{C0533F6E-9159-954E-8711-191F1D6696D5}" type="datetimeFigureOut">
               <a:rPr lang="en-US" smtClean="0"/>
-              <a:t>8/22/19</a:t>
+              <a:t>9/9/19</a:t>
             </a:fld>
             <a:endParaRPr lang="en-US"/>
           </a:p>
@@ -457,7 +457,7 @@
           <a:p>
             <a:fld id="{C0533F6E-9159-954E-8711-191F1D6696D5}" type="datetimeFigureOut">
               <a:rPr lang="en-US" smtClean="0"/>
-              <a:t>8/22/19</a:t>
+              <a:t>9/9/19</a:t>
             </a:fld>
             <a:endParaRPr lang="en-US"/>
           </a:p>
@@ -665,7 +665,7 @@
           <a:p>
             <a:fld id="{C0533F6E-9159-954E-8711-191F1D6696D5}" type="datetimeFigureOut">
               <a:rPr lang="en-US" smtClean="0"/>
-              <a:t>8/22/19</a:t>
+              <a:t>9/9/19</a:t>
             </a:fld>
             <a:endParaRPr lang="en-US"/>
           </a:p>
@@ -863,7 +863,7 @@
           <a:p>
             <a:fld id="{C0533F6E-9159-954E-8711-191F1D6696D5}" type="datetimeFigureOut">
               <a:rPr lang="en-US" smtClean="0"/>
-              <a:t>8/22/19</a:t>
+              <a:t>9/9/19</a:t>
             </a:fld>
             <a:endParaRPr lang="en-US"/>
           </a:p>
@@ -1138,7 +1138,7 @@
           <a:p>
             <a:fld id="{C0533F6E-9159-954E-8711-191F1D6696D5}" type="datetimeFigureOut">
               <a:rPr lang="en-US" smtClean="0"/>
-              <a:t>8/22/19</a:t>
+              <a:t>9/9/19</a:t>
             </a:fld>
             <a:endParaRPr lang="en-US"/>
           </a:p>
@@ -1403,7 +1403,7 @@
           <a:p>
             <a:fld id="{C0533F6E-9159-954E-8711-191F1D6696D5}" type="datetimeFigureOut">
               <a:rPr lang="en-US" smtClean="0"/>
-              <a:t>8/22/19</a:t>
+              <a:t>9/9/19</a:t>
             </a:fld>
             <a:endParaRPr lang="en-US"/>
           </a:p>
@@ -1815,7 +1815,7 @@
           <a:p>
             <a:fld id="{C0533F6E-9159-954E-8711-191F1D6696D5}" type="datetimeFigureOut">
               <a:rPr lang="en-US" smtClean="0"/>
-              <a:t>8/22/19</a:t>
+              <a:t>9/9/19</a:t>
             </a:fld>
             <a:endParaRPr lang="en-US"/>
           </a:p>
@@ -1956,7 +1956,7 @@
           <a:p>
             <a:fld id="{C0533F6E-9159-954E-8711-191F1D6696D5}" type="datetimeFigureOut">
               <a:rPr lang="en-US" smtClean="0"/>
-              <a:t>8/22/19</a:t>
+              <a:t>9/9/19</a:t>
             </a:fld>
             <a:endParaRPr lang="en-US"/>
           </a:p>
@@ -2069,7 +2069,7 @@
           <a:p>
             <a:fld id="{C0533F6E-9159-954E-8711-191F1D6696D5}" type="datetimeFigureOut">
               <a:rPr lang="en-US" smtClean="0"/>
-              <a:t>8/22/19</a:t>
+              <a:t>9/9/19</a:t>
             </a:fld>
             <a:endParaRPr lang="en-US"/>
           </a:p>
@@ -2380,7 +2380,7 @@
           <a:p>
             <a:fld id="{C0533F6E-9159-954E-8711-191F1D6696D5}" type="datetimeFigureOut">
               <a:rPr lang="en-US" smtClean="0"/>
-              <a:t>8/22/19</a:t>
+              <a:t>9/9/19</a:t>
             </a:fld>
             <a:endParaRPr lang="en-US"/>
           </a:p>
@@ -2668,7 +2668,7 @@
           <a:p>
             <a:fld id="{C0533F6E-9159-954E-8711-191F1D6696D5}" type="datetimeFigureOut">
               <a:rPr lang="en-US" smtClean="0"/>
-              <a:t>8/22/19</a:t>
+              <a:t>9/9/19</a:t>
             </a:fld>
             <a:endParaRPr lang="en-US"/>
           </a:p>
@@ -2909,7 +2909,7 @@
           <a:p>
             <a:fld id="{C0533F6E-9159-954E-8711-191F1D6696D5}" type="datetimeFigureOut">
               <a:rPr lang="en-US" smtClean="0"/>
-              <a:t>8/22/19</a:t>
+              <a:t>9/9/19</a:t>
             </a:fld>
             <a:endParaRPr lang="en-US"/>
           </a:p>
@@ -3341,7 +3341,7 @@
           <p:nvPr>
             <p:extLst>
               <p:ext uri="{D42A27DB-BD31-4B8C-83A1-F6EECF244321}">
-                <p14:modId xmlns:p14="http://schemas.microsoft.com/office/powerpoint/2010/main" val="466199545"/>
+                <p14:modId xmlns:p14="http://schemas.microsoft.com/office/powerpoint/2010/main" val="1934686527"/>
               </p:ext>
             </p:extLst>
           </p:nvPr>
@@ -3441,7 +3441,7 @@
                     <a:lstStyle/>
                     <a:p>
                       <a:r>
-                        <a:rPr lang="en-US" sz="2400" b="1" dirty="0"/>
+                        <a:rPr lang="en-US" sz="2200" b="1" dirty="0"/>
                         <a:t>No Obstacle</a:t>
                       </a:r>
                     </a:p>
@@ -3481,8 +3481,8 @@
                     <a:lstStyle/>
                     <a:p>
                       <a:r>
-                        <a:rPr lang="en-US" sz="2400" b="1" dirty="0"/>
-                        <a:t>Sparse Obstacle</a:t>
+                        <a:rPr lang="en-US" sz="2200" b="1" dirty="0"/>
+                        <a:t>Sparse Obstacles</a:t>
                       </a:r>
                     </a:p>
                   </a:txBody>
@@ -3521,8 +3521,8 @@
                     <a:lstStyle/>
                     <a:p>
                       <a:r>
-                        <a:rPr lang="en-US" sz="2400" b="1" dirty="0"/>
-                        <a:t>Dense Obstacle</a:t>
+                        <a:rPr lang="en-US" sz="2200" b="1" dirty="0"/>
+                        <a:t>Dense Obstacles</a:t>
                       </a:r>
                     </a:p>
                   </a:txBody>
